--- a/Algoritmos e Estrutura de Dados.pptx
+++ b/Algoritmos e Estrutura de Dados.pptx
@@ -1,9 +1,12 @@
 
 <file path=ppt/presentation.xml><?xml version="1.0" encoding="utf-8"?>
-<p:presentation xmlns:a="http://schemas.openxmlformats.org/drawingml/2006/main" xmlns:r="http://schemas.openxmlformats.org/officeDocument/2006/relationships" xmlns:p="http://schemas.openxmlformats.org/presentationml/2006/main" saveSubsetFonts="1">
+<p:presentation xmlns:a="http://schemas.openxmlformats.org/drawingml/2006/main" xmlns:r="http://schemas.openxmlformats.org/officeDocument/2006/relationships" xmlns:p="http://schemas.openxmlformats.org/presentationml/2006/main" showSpecialPlsOnTitleSld="0" saveSubsetFonts="1">
   <p:sldMasterIdLst>
     <p:sldMasterId id="2147483744" r:id="rId1"/>
   </p:sldMasterIdLst>
+  <p:notesMasterIdLst>
+    <p:notesMasterId r:id="rId15"/>
+  </p:notesMasterIdLst>
   <p:sldIdLst>
     <p:sldId id="256" r:id="rId2"/>
     <p:sldId id="257" r:id="rId3"/>
@@ -12,13 +15,12 @@
     <p:sldId id="259" r:id="rId6"/>
     <p:sldId id="268" r:id="rId7"/>
     <p:sldId id="270" r:id="rId8"/>
-    <p:sldId id="272" r:id="rId9"/>
-    <p:sldId id="260" r:id="rId10"/>
-    <p:sldId id="261" r:id="rId11"/>
-    <p:sldId id="262" r:id="rId12"/>
-    <p:sldId id="267" r:id="rId13"/>
-    <p:sldId id="263" r:id="rId14"/>
-    <p:sldId id="264" r:id="rId15"/>
+    <p:sldId id="260" r:id="rId9"/>
+    <p:sldId id="261" r:id="rId10"/>
+    <p:sldId id="262" r:id="rId11"/>
+    <p:sldId id="267" r:id="rId12"/>
+    <p:sldId id="263" r:id="rId13"/>
+    <p:sldId id="264" r:id="rId14"/>
   </p:sldIdLst>
   <p:sldSz cx="12192000" cy="6858000"/>
   <p:notesSz cx="6858000" cy="9144000"/>
@@ -120,6 +122,356 @@
 </p:presentation>
 </file>
 
+<file path=ppt/notesMasters/notesMaster1.xml><?xml version="1.0" encoding="utf-8"?>
+<p:notesMaster xmlns:a="http://schemas.openxmlformats.org/drawingml/2006/main" xmlns:r="http://schemas.openxmlformats.org/officeDocument/2006/relationships" xmlns:p="http://schemas.openxmlformats.org/presentationml/2006/main">
+  <p:cSld>
+    <p:bg>
+      <p:bgRef idx="1001">
+        <a:schemeClr val="bg1"/>
+      </p:bgRef>
+    </p:bg>
+    <p:spTree>
+      <p:nvGrpSpPr>
+        <p:cNvPr id="1" name=""/>
+        <p:cNvGrpSpPr/>
+        <p:nvPr/>
+      </p:nvGrpSpPr>
+      <p:grpSpPr>
+        <a:xfrm>
+          <a:off x="0" y="0"/>
+          <a:ext cx="0" cy="0"/>
+          <a:chOff x="0" y="0"/>
+          <a:chExt cx="0" cy="0"/>
+        </a:xfrm>
+      </p:grpSpPr>
+      <p:sp>
+        <p:nvSpPr>
+          <p:cNvPr id="2" name="Header Placeholder 1"/>
+          <p:cNvSpPr>
+            <a:spLocks noGrp="1"/>
+          </p:cNvSpPr>
+          <p:nvPr>
+            <p:ph type="hdr" sz="quarter"/>
+          </p:nvPr>
+        </p:nvSpPr>
+        <p:spPr>
+          <a:xfrm>
+            <a:off x="0" y="0"/>
+            <a:ext cx="2971800" cy="458788"/>
+          </a:xfrm>
+          <a:prstGeom prst="rect">
+            <a:avLst/>
+          </a:prstGeom>
+        </p:spPr>
+        <p:txBody>
+          <a:bodyPr vert="horz" lIns="91440" tIns="45720" rIns="91440" bIns="45720" rtlCol="0"/>
+          <a:lstStyle>
+            <a:lvl1pPr algn="l">
+              <a:defRPr sz="1200"/>
+            </a:lvl1pPr>
+          </a:lstStyle>
+          <a:p>
+            <a:endParaRPr lang="en-GB"/>
+          </a:p>
+        </p:txBody>
+      </p:sp>
+      <p:sp>
+        <p:nvSpPr>
+          <p:cNvPr id="3" name="Date Placeholder 2"/>
+          <p:cNvSpPr>
+            <a:spLocks noGrp="1"/>
+          </p:cNvSpPr>
+          <p:nvPr>
+            <p:ph type="dt" idx="1"/>
+          </p:nvPr>
+        </p:nvSpPr>
+        <p:spPr>
+          <a:xfrm>
+            <a:off x="3884613" y="0"/>
+            <a:ext cx="2971800" cy="458788"/>
+          </a:xfrm>
+          <a:prstGeom prst="rect">
+            <a:avLst/>
+          </a:prstGeom>
+        </p:spPr>
+        <p:txBody>
+          <a:bodyPr vert="horz" lIns="91440" tIns="45720" rIns="91440" bIns="45720" rtlCol="0"/>
+          <a:lstStyle>
+            <a:lvl1pPr algn="r">
+              <a:defRPr sz="1200"/>
+            </a:lvl1pPr>
+          </a:lstStyle>
+          <a:p>
+            <a:fld id="{25CA5709-6B14-4B06-8DA3-794CFBAEB01E}" type="datetimeFigureOut">
+              <a:rPr lang="en-GB" smtClean="0"/>
+              <a:t>22/11/2020</a:t>
+            </a:fld>
+            <a:endParaRPr lang="en-GB"/>
+          </a:p>
+        </p:txBody>
+      </p:sp>
+      <p:sp>
+        <p:nvSpPr>
+          <p:cNvPr id="4" name="Slide Image Placeholder 3"/>
+          <p:cNvSpPr>
+            <a:spLocks noGrp="1" noRot="1" noChangeAspect="1"/>
+          </p:cNvSpPr>
+          <p:nvPr>
+            <p:ph type="sldImg" idx="2"/>
+          </p:nvPr>
+        </p:nvSpPr>
+        <p:spPr>
+          <a:xfrm>
+            <a:off x="685800" y="1143000"/>
+            <a:ext cx="5486400" cy="3086100"/>
+          </a:xfrm>
+          <a:prstGeom prst="rect">
+            <a:avLst/>
+          </a:prstGeom>
+          <a:noFill/>
+          <a:ln w="12700">
+            <a:solidFill>
+              <a:prstClr val="black"/>
+            </a:solidFill>
+          </a:ln>
+        </p:spPr>
+        <p:txBody>
+          <a:bodyPr vert="horz" lIns="91440" tIns="45720" rIns="91440" bIns="45720" rtlCol="0" anchor="ctr"/>
+          <a:lstStyle/>
+          <a:p>
+            <a:endParaRPr lang="en-GB"/>
+          </a:p>
+        </p:txBody>
+      </p:sp>
+      <p:sp>
+        <p:nvSpPr>
+          <p:cNvPr id="5" name="Notes Placeholder 4"/>
+          <p:cNvSpPr>
+            <a:spLocks noGrp="1"/>
+          </p:cNvSpPr>
+          <p:nvPr>
+            <p:ph type="body" sz="quarter" idx="3"/>
+          </p:nvPr>
+        </p:nvSpPr>
+        <p:spPr>
+          <a:xfrm>
+            <a:off x="685800" y="4400550"/>
+            <a:ext cx="5486400" cy="3600450"/>
+          </a:xfrm>
+          <a:prstGeom prst="rect">
+            <a:avLst/>
+          </a:prstGeom>
+        </p:spPr>
+        <p:txBody>
+          <a:bodyPr vert="horz" lIns="91440" tIns="45720" rIns="91440" bIns="45720" rtlCol="0"/>
+          <a:lstStyle/>
+          <a:p>
+            <a:pPr lvl="0"/>
+            <a:r>
+              <a:rPr lang="en-US"/>
+              <a:t>Click to edit Master text styles</a:t>
+            </a:r>
+          </a:p>
+          <a:p>
+            <a:pPr lvl="1"/>
+            <a:r>
+              <a:rPr lang="en-US"/>
+              <a:t>Second level</a:t>
+            </a:r>
+          </a:p>
+          <a:p>
+            <a:pPr lvl="2"/>
+            <a:r>
+              <a:rPr lang="en-US"/>
+              <a:t>Third level</a:t>
+            </a:r>
+          </a:p>
+          <a:p>
+            <a:pPr lvl="3"/>
+            <a:r>
+              <a:rPr lang="en-US"/>
+              <a:t>Fourth level</a:t>
+            </a:r>
+          </a:p>
+          <a:p>
+            <a:pPr lvl="4"/>
+            <a:r>
+              <a:rPr lang="en-US"/>
+              <a:t>Fifth level</a:t>
+            </a:r>
+            <a:endParaRPr lang="en-GB"/>
+          </a:p>
+        </p:txBody>
+      </p:sp>
+      <p:sp>
+        <p:nvSpPr>
+          <p:cNvPr id="6" name="Footer Placeholder 5"/>
+          <p:cNvSpPr>
+            <a:spLocks noGrp="1"/>
+          </p:cNvSpPr>
+          <p:nvPr>
+            <p:ph type="ftr" sz="quarter" idx="4"/>
+          </p:nvPr>
+        </p:nvSpPr>
+        <p:spPr>
+          <a:xfrm>
+            <a:off x="0" y="8685213"/>
+            <a:ext cx="2971800" cy="458787"/>
+          </a:xfrm>
+          <a:prstGeom prst="rect">
+            <a:avLst/>
+          </a:prstGeom>
+        </p:spPr>
+        <p:txBody>
+          <a:bodyPr vert="horz" lIns="91440" tIns="45720" rIns="91440" bIns="45720" rtlCol="0" anchor="b"/>
+          <a:lstStyle>
+            <a:lvl1pPr algn="l">
+              <a:defRPr sz="1200"/>
+            </a:lvl1pPr>
+          </a:lstStyle>
+          <a:p>
+            <a:endParaRPr lang="en-GB"/>
+          </a:p>
+        </p:txBody>
+      </p:sp>
+      <p:sp>
+        <p:nvSpPr>
+          <p:cNvPr id="7" name="Slide Number Placeholder 6"/>
+          <p:cNvSpPr>
+            <a:spLocks noGrp="1"/>
+          </p:cNvSpPr>
+          <p:nvPr>
+            <p:ph type="sldNum" sz="quarter" idx="5"/>
+          </p:nvPr>
+        </p:nvSpPr>
+        <p:spPr>
+          <a:xfrm>
+            <a:off x="3884613" y="8685213"/>
+            <a:ext cx="2971800" cy="458787"/>
+          </a:xfrm>
+          <a:prstGeom prst="rect">
+            <a:avLst/>
+          </a:prstGeom>
+        </p:spPr>
+        <p:txBody>
+          <a:bodyPr vert="horz" lIns="91440" tIns="45720" rIns="91440" bIns="45720" rtlCol="0" anchor="b"/>
+          <a:lstStyle>
+            <a:lvl1pPr algn="r">
+              <a:defRPr sz="1200"/>
+            </a:lvl1pPr>
+          </a:lstStyle>
+          <a:p>
+            <a:fld id="{B9F2A549-A475-47EF-B9D9-3AA9D12CF233}" type="slidenum">
+              <a:rPr lang="en-GB" smtClean="0"/>
+              <a:t>‹#›</a:t>
+            </a:fld>
+            <a:endParaRPr lang="en-GB"/>
+          </a:p>
+        </p:txBody>
+      </p:sp>
+    </p:spTree>
+    <p:extLst>
+      <p:ext uri="{BB962C8B-B14F-4D97-AF65-F5344CB8AC3E}">
+        <p14:creationId xmlns:p14="http://schemas.microsoft.com/office/powerpoint/2010/main" val="2811460128"/>
+      </p:ext>
+    </p:extLst>
+  </p:cSld>
+  <p:clrMap bg1="lt1" tx1="dk1" bg2="lt2" tx2="dk2" accent1="accent1" accent2="accent2" accent3="accent3" accent4="accent4" accent5="accent5" accent6="accent6" hlink="hlink" folHlink="folHlink"/>
+  <p:notesStyle>
+    <a:lvl1pPr marL="0" algn="l" defTabSz="914400" rtl="0" eaLnBrk="1" latinLnBrk="0" hangingPunct="1">
+      <a:defRPr sz="1200" kern="1200">
+        <a:solidFill>
+          <a:schemeClr val="tx1"/>
+        </a:solidFill>
+        <a:latin typeface="+mn-lt"/>
+        <a:ea typeface="+mn-ea"/>
+        <a:cs typeface="+mn-cs"/>
+      </a:defRPr>
+    </a:lvl1pPr>
+    <a:lvl2pPr marL="457200" algn="l" defTabSz="914400" rtl="0" eaLnBrk="1" latinLnBrk="0" hangingPunct="1">
+      <a:defRPr sz="1200" kern="1200">
+        <a:solidFill>
+          <a:schemeClr val="tx1"/>
+        </a:solidFill>
+        <a:latin typeface="+mn-lt"/>
+        <a:ea typeface="+mn-ea"/>
+        <a:cs typeface="+mn-cs"/>
+      </a:defRPr>
+    </a:lvl2pPr>
+    <a:lvl3pPr marL="914400" algn="l" defTabSz="914400" rtl="0" eaLnBrk="1" latinLnBrk="0" hangingPunct="1">
+      <a:defRPr sz="1200" kern="1200">
+        <a:solidFill>
+          <a:schemeClr val="tx1"/>
+        </a:solidFill>
+        <a:latin typeface="+mn-lt"/>
+        <a:ea typeface="+mn-ea"/>
+        <a:cs typeface="+mn-cs"/>
+      </a:defRPr>
+    </a:lvl3pPr>
+    <a:lvl4pPr marL="1371600" algn="l" defTabSz="914400" rtl="0" eaLnBrk="1" latinLnBrk="0" hangingPunct="1">
+      <a:defRPr sz="1200" kern="1200">
+        <a:solidFill>
+          <a:schemeClr val="tx1"/>
+        </a:solidFill>
+        <a:latin typeface="+mn-lt"/>
+        <a:ea typeface="+mn-ea"/>
+        <a:cs typeface="+mn-cs"/>
+      </a:defRPr>
+    </a:lvl4pPr>
+    <a:lvl5pPr marL="1828800" algn="l" defTabSz="914400" rtl="0" eaLnBrk="1" latinLnBrk="0" hangingPunct="1">
+      <a:defRPr sz="1200" kern="1200">
+        <a:solidFill>
+          <a:schemeClr val="tx1"/>
+        </a:solidFill>
+        <a:latin typeface="+mn-lt"/>
+        <a:ea typeface="+mn-ea"/>
+        <a:cs typeface="+mn-cs"/>
+      </a:defRPr>
+    </a:lvl5pPr>
+    <a:lvl6pPr marL="2286000" algn="l" defTabSz="914400" rtl="0" eaLnBrk="1" latinLnBrk="0" hangingPunct="1">
+      <a:defRPr sz="1200" kern="1200">
+        <a:solidFill>
+          <a:schemeClr val="tx1"/>
+        </a:solidFill>
+        <a:latin typeface="+mn-lt"/>
+        <a:ea typeface="+mn-ea"/>
+        <a:cs typeface="+mn-cs"/>
+      </a:defRPr>
+    </a:lvl6pPr>
+    <a:lvl7pPr marL="2743200" algn="l" defTabSz="914400" rtl="0" eaLnBrk="1" latinLnBrk="0" hangingPunct="1">
+      <a:defRPr sz="1200" kern="1200">
+        <a:solidFill>
+          <a:schemeClr val="tx1"/>
+        </a:solidFill>
+        <a:latin typeface="+mn-lt"/>
+        <a:ea typeface="+mn-ea"/>
+        <a:cs typeface="+mn-cs"/>
+      </a:defRPr>
+    </a:lvl7pPr>
+    <a:lvl8pPr marL="3200400" algn="l" defTabSz="914400" rtl="0" eaLnBrk="1" latinLnBrk="0" hangingPunct="1">
+      <a:defRPr sz="1200" kern="1200">
+        <a:solidFill>
+          <a:schemeClr val="tx1"/>
+        </a:solidFill>
+        <a:latin typeface="+mn-lt"/>
+        <a:ea typeface="+mn-ea"/>
+        <a:cs typeface="+mn-cs"/>
+      </a:defRPr>
+    </a:lvl8pPr>
+    <a:lvl9pPr marL="3657600" algn="l" defTabSz="914400" rtl="0" eaLnBrk="1" latinLnBrk="0" hangingPunct="1">
+      <a:defRPr sz="1200" kern="1200">
+        <a:solidFill>
+          <a:schemeClr val="tx1"/>
+        </a:solidFill>
+        <a:latin typeface="+mn-lt"/>
+        <a:ea typeface="+mn-ea"/>
+        <a:cs typeface="+mn-cs"/>
+      </a:defRPr>
+    </a:lvl9pPr>
+  </p:notesStyle>
+</p:notesMaster>
+</file>
+
 <file path=ppt/slideLayouts/slideLayout1.xml><?xml version="1.0" encoding="utf-8"?>
 <p:sldLayout xmlns:a="http://schemas.openxmlformats.org/drawingml/2006/main" xmlns:r="http://schemas.openxmlformats.org/officeDocument/2006/relationships" xmlns:p="http://schemas.openxmlformats.org/presentationml/2006/main" showMasterSp="0" type="title" preserve="1">
   <p:cSld name="Title Slide">
@@ -346,9 +698,9 @@
           <a:bodyPr/>
           <a:lstStyle/>
           <a:p>
-            <a:fld id="{84821526-D635-45F3-A4AC-19CF35B6EAB6}" type="datetimeFigureOut">
+            <a:fld id="{528C0D68-BC64-4548-B359-5E6EE161A17B}" type="datetime1">
               <a:rPr lang="en-GB" smtClean="0"/>
-              <a:t>20/11/2020</a:t>
+              <a:t>22/11/2020</a:t>
             </a:fld>
             <a:endParaRPr lang="en-GB"/>
           </a:p>
@@ -554,9 +906,9 @@
           <a:bodyPr/>
           <a:lstStyle/>
           <a:p>
-            <a:fld id="{84821526-D635-45F3-A4AC-19CF35B6EAB6}" type="datetimeFigureOut">
+            <a:fld id="{0EBD4178-4B69-42DA-A27C-04B9ADB16C27}" type="datetime1">
               <a:rPr lang="en-GB" smtClean="0"/>
-              <a:t>20/11/2020</a:t>
+              <a:t>22/11/2020</a:t>
             </a:fld>
             <a:endParaRPr lang="en-GB"/>
           </a:p>
@@ -812,9 +1164,9 @@
           <a:bodyPr/>
           <a:lstStyle/>
           <a:p>
-            <a:fld id="{84821526-D635-45F3-A4AC-19CF35B6EAB6}" type="datetimeFigureOut">
+            <a:fld id="{58453F14-14F7-4EA6-B5AA-7096F8A10CBB}" type="datetime1">
               <a:rPr lang="en-GB" smtClean="0"/>
-              <a:t>20/11/2020</a:t>
+              <a:t>22/11/2020</a:t>
             </a:fld>
             <a:endParaRPr lang="en-GB"/>
           </a:p>
@@ -982,9 +1334,9 @@
           <a:bodyPr/>
           <a:lstStyle/>
           <a:p>
-            <a:fld id="{84821526-D635-45F3-A4AC-19CF35B6EAB6}" type="datetimeFigureOut">
+            <a:fld id="{A07640FD-DEE0-4225-93C0-E322916D4B8C}" type="datetime1">
               <a:rPr lang="en-GB" smtClean="0"/>
-              <a:t>20/11/2020</a:t>
+              <a:t>22/11/2020</a:t>
             </a:fld>
             <a:endParaRPr lang="en-GB"/>
           </a:p>
@@ -1319,9 +1671,9 @@
           <a:bodyPr/>
           <a:lstStyle/>
           <a:p>
-            <a:fld id="{84821526-D635-45F3-A4AC-19CF35B6EAB6}" type="datetimeFigureOut">
+            <a:fld id="{FBEB173A-6315-40E0-AF83-87908FDBA9E9}" type="datetime1">
               <a:rPr lang="en-GB" smtClean="0"/>
-              <a:t>20/11/2020</a:t>
+              <a:t>22/11/2020</a:t>
             </a:fld>
             <a:endParaRPr lang="en-GB"/>
           </a:p>
@@ -1594,9 +1946,9 @@
           <a:bodyPr/>
           <a:lstStyle/>
           <a:p>
-            <a:fld id="{84821526-D635-45F3-A4AC-19CF35B6EAB6}" type="datetimeFigureOut">
+            <a:fld id="{7BE85FFC-0687-4317-B90C-576D431A8BF9}" type="datetime1">
               <a:rPr lang="en-GB" smtClean="0"/>
-              <a:t>20/11/2020</a:t>
+              <a:t>22/11/2020</a:t>
             </a:fld>
             <a:endParaRPr lang="en-GB"/>
           </a:p>
@@ -1973,9 +2325,9 @@
           <a:bodyPr/>
           <a:lstStyle/>
           <a:p>
-            <a:fld id="{84821526-D635-45F3-A4AC-19CF35B6EAB6}" type="datetimeFigureOut">
+            <a:fld id="{569C512B-6BF1-4860-A27F-3EBDB70D3B5E}" type="datetime1">
               <a:rPr lang="en-GB" smtClean="0"/>
-              <a:t>20/11/2020</a:t>
+              <a:t>22/11/2020</a:t>
             </a:fld>
             <a:endParaRPr lang="en-GB"/>
           </a:p>
@@ -2091,9 +2443,9 @@
           <a:bodyPr/>
           <a:lstStyle/>
           <a:p>
-            <a:fld id="{84821526-D635-45F3-A4AC-19CF35B6EAB6}" type="datetimeFigureOut">
+            <a:fld id="{5EBA4936-34F5-45A6-BA7C-3F8504FE5DDD}" type="datetime1">
               <a:rPr lang="en-GB" smtClean="0"/>
-              <a:t>20/11/2020</a:t>
+              <a:t>22/11/2020</a:t>
             </a:fld>
             <a:endParaRPr lang="en-GB"/>
           </a:p>
@@ -2264,9 +2616,9 @@
           <a:bodyPr/>
           <a:lstStyle/>
           <a:p>
-            <a:fld id="{84821526-D635-45F3-A4AC-19CF35B6EAB6}" type="datetimeFigureOut">
+            <a:fld id="{4418E47F-A5E6-41A9-A8F6-73FA5EDE3A32}" type="datetime1">
               <a:rPr lang="en-GB" smtClean="0"/>
-              <a:t>20/11/2020</a:t>
+              <a:t>22/11/2020</a:t>
             </a:fld>
             <a:endParaRPr lang="en-GB"/>
           </a:p>
@@ -2620,9 +2972,9 @@
             </a:lvl1pPr>
           </a:lstStyle>
           <a:p>
-            <a:fld id="{84821526-D635-45F3-A4AC-19CF35B6EAB6}" type="datetimeFigureOut">
+            <a:fld id="{763A8260-C07D-4155-A974-721396ED1176}" type="datetime1">
               <a:rPr lang="en-GB" smtClean="0"/>
-              <a:t>20/11/2020</a:t>
+              <a:t>22/11/2020</a:t>
             </a:fld>
             <a:endParaRPr lang="en-GB"/>
           </a:p>
@@ -2999,9 +3351,9 @@
           <a:bodyPr/>
           <a:lstStyle/>
           <a:p>
-            <a:fld id="{84821526-D635-45F3-A4AC-19CF35B6EAB6}" type="datetimeFigureOut">
+            <a:fld id="{3C72DF81-A306-4F00-9B77-8EDE722AAE69}" type="datetime1">
               <a:rPr lang="en-GB" smtClean="0"/>
-              <a:t>20/11/2020</a:t>
+              <a:t>22/11/2020</a:t>
             </a:fld>
             <a:endParaRPr lang="en-GB"/>
           </a:p>
@@ -3288,9 +3640,9 @@
             </a:lvl1pPr>
           </a:lstStyle>
           <a:p>
-            <a:fld id="{84821526-D635-45F3-A4AC-19CF35B6EAB6}" type="datetimeFigureOut">
+            <a:fld id="{9DDDFCC9-582D-4E1D-9CC3-42DB11393341}" type="datetime1">
               <a:rPr lang="en-GB" smtClean="0"/>
-              <a:t>20/11/2020</a:t>
+              <a:t>22/11/2020</a:t>
             </a:fld>
             <a:endParaRPr lang="en-GB"/>
           </a:p>
@@ -3429,6 +3781,7 @@
     <p:sldLayoutId id="2147483754" r:id="rId10"/>
     <p:sldLayoutId id="2147483755" r:id="rId11"/>
   </p:sldLayoutIdLst>
+  <p:hf hdr="0" ftr="0" dt="0"/>
   <p:txStyles>
     <p:titleStyle>
       <a:lvl1pPr algn="l" defTabSz="914400" rtl="0" eaLnBrk="1" latinLnBrk="0" hangingPunct="1">
@@ -3996,7 +4349,7 @@
           <p:cNvPr id="2" name="Title 1">
             <a:extLst>
               <a:ext uri="{FF2B5EF4-FFF2-40B4-BE49-F238E27FC236}">
-                <a16:creationId xmlns:a16="http://schemas.microsoft.com/office/drawing/2014/main" id="{59CC4EA0-CE24-47F3-A70A-CCC953BAF386}"/>
+                <a16:creationId xmlns:a16="http://schemas.microsoft.com/office/drawing/2014/main" id="{05DAF39C-7BD8-4595-9448-66F468AD306A}"/>
               </a:ext>
             </a:extLst>
           </p:cNvPr>
@@ -4014,7 +4367,7 @@
           <a:p>
             <a:r>
               <a:rPr lang="pt-PT" dirty="0"/>
-              <a:t>Tratamento de exceções</a:t>
+              <a:t>Funcionalidades implementadas</a:t>
             </a:r>
             <a:endParaRPr lang="en-GB" dirty="0"/>
           </a:p>
@@ -4022,10 +4375,10 @@
       </p:sp>
       <p:sp>
         <p:nvSpPr>
-          <p:cNvPr id="4" name="Content Placeholder 2">
+          <p:cNvPr id="6" name="Content Placeholder 2">
             <a:extLst>
               <a:ext uri="{FF2B5EF4-FFF2-40B4-BE49-F238E27FC236}">
-                <a16:creationId xmlns:a16="http://schemas.microsoft.com/office/drawing/2014/main" id="{ADFE7FBC-2D60-4553-A624-AD448635C52E}"/>
+                <a16:creationId xmlns:a16="http://schemas.microsoft.com/office/drawing/2014/main" id="{5B2D8F21-BCC1-4007-A72A-A9DE3CC356CC}"/>
               </a:ext>
             </a:extLst>
           </p:cNvPr>
@@ -4036,16 +4389,16 @@
         </p:nvSpPr>
         <p:spPr>
           <a:xfrm>
-            <a:off x="1066800" y="1927113"/>
-            <a:ext cx="10058400" cy="1450756"/>
+            <a:off x="1066800" y="1927112"/>
+            <a:ext cx="10058400" cy="4207874"/>
           </a:xfrm>
           <a:prstGeom prst="rect">
             <a:avLst/>
           </a:prstGeom>
         </p:spPr>
         <p:txBody>
-          <a:bodyPr vert="horz" lIns="0" tIns="45720" rIns="0" bIns="45720" numCol="2" rtlCol="0">
-            <a:normAutofit/>
+          <a:bodyPr vert="horz" lIns="0" tIns="45720" rIns="0" bIns="45720" rtlCol="0">
+            <a:noAutofit/>
           </a:bodyPr>
           <a:lstStyle>
             <a:lvl1pPr marL="91440" indent="-91440" algn="l" defTabSz="914400" rtl="0" eaLnBrk="1" latinLnBrk="0" hangingPunct="1">
@@ -4294,102 +4647,131 @@
             </a:lvl9pPr>
           </a:lstStyle>
           <a:p>
-            <a:pPr marL="201168" lvl="1" indent="0">
-              <a:buNone/>
-            </a:pPr>
-            <a:r>
-              <a:rPr lang="pt-PT" sz="2000" dirty="0"/>
-              <a:t>Exceções:</a:t>
-            </a:r>
-          </a:p>
-          <a:p>
             <a:pPr lvl="1"/>
             <a:r>
-              <a:rPr lang="pt-PT" dirty="0" err="1"/>
-              <a:t>InvalidDate</a:t>
-            </a:r>
-            <a:endParaRPr lang="pt-PT" dirty="0"/>
+              <a:rPr lang="pt-PT" dirty="0"/>
+              <a:t>Criar localização Cinemateca Portuguesa: Completa</a:t>
+            </a:r>
           </a:p>
           <a:p>
             <a:pPr lvl="1"/>
             <a:r>
-              <a:rPr lang="pt-PT" dirty="0" err="1"/>
-              <a:t>EventFull</a:t>
-            </a:r>
-            <a:endParaRPr lang="pt-PT" dirty="0"/>
+              <a:rPr lang="pt-PT" dirty="0"/>
+              <a:t>Guardar morada de cada localização de Cinemateca Portuguesa: Completa</a:t>
+            </a:r>
           </a:p>
           <a:p>
             <a:pPr lvl="1"/>
             <a:r>
-              <a:rPr lang="pt-PT" dirty="0" err="1"/>
-              <a:t>InvalidTime</a:t>
-            </a:r>
-            <a:endParaRPr lang="pt-PT" dirty="0"/>
+              <a:rPr lang="pt-PT" dirty="0"/>
+              <a:t>Guardar eventos passados e futuros de cada localização de Cinemateca Portuguesa: Completa</a:t>
+            </a:r>
           </a:p>
           <a:p>
             <a:pPr lvl="1"/>
-            <a:endParaRPr lang="pt-PT" dirty="0"/>
+            <a:r>
+              <a:rPr lang="pt-PT" dirty="0"/>
+              <a:t>Guardar aderentes associados a cada localização de Cinemateca Portuguesa: Completa</a:t>
+            </a:r>
           </a:p>
           <a:p>
             <a:pPr lvl="1"/>
             <a:r>
-              <a:rPr lang="pt-PT" dirty="0" err="1"/>
-              <a:t>InvalidTimeInterval</a:t>
-            </a:r>
-            <a:endParaRPr lang="pt-PT" dirty="0"/>
+              <a:rPr lang="pt-PT" dirty="0"/>
+              <a:t>Criar aderentes: Completa</a:t>
+            </a:r>
           </a:p>
           <a:p>
             <a:pPr lvl="1"/>
             <a:r>
-              <a:rPr lang="pt-PT" dirty="0" err="1"/>
-              <a:t>AlreadyScheduled</a:t>
-            </a:r>
-            <a:endParaRPr lang="pt-PT" dirty="0"/>
+              <a:rPr lang="pt-PT" dirty="0"/>
+              <a:t>Guardar informação necessária a aderentes: Completa</a:t>
+            </a:r>
           </a:p>
           <a:p>
             <a:pPr lvl="1"/>
             <a:r>
-              <a:rPr lang="pt-PT" dirty="0" err="1"/>
-              <a:t>NoEventScheduled</a:t>
-            </a:r>
-            <a:endParaRPr lang="pt-PT" dirty="0"/>
-          </a:p>
-        </p:txBody>
-      </p:sp>
-      <p:pic>
-        <p:nvPicPr>
-          <p:cNvPr id="5" name="Picture 4">
+              <a:rPr lang="pt-PT" dirty="0"/>
+              <a:t>Alterar informação de aderentes: Completa</a:t>
+            </a:r>
+          </a:p>
+          <a:p>
+            <a:pPr lvl="1"/>
+            <a:r>
+              <a:rPr lang="pt-PT" dirty="0"/>
+              <a:t>Encontrar aderentes específicos: Completa</a:t>
+            </a:r>
+          </a:p>
+          <a:p>
+            <a:pPr lvl="1"/>
+            <a:r>
+              <a:rPr lang="pt-PT" dirty="0"/>
+              <a:t>Ler aderentes, ordenados ou não: Completa</a:t>
+            </a:r>
+          </a:p>
+          <a:p>
+            <a:pPr lvl="1"/>
+            <a:r>
+              <a:rPr lang="pt-PT" dirty="0"/>
+              <a:t>Remover aderentes: Completa</a:t>
+            </a:r>
+          </a:p>
+          <a:p>
+            <a:pPr lvl="1"/>
+            <a:r>
+              <a:rPr lang="pt-PT" dirty="0"/>
+              <a:t>Criar eventos: Completa</a:t>
+            </a:r>
+          </a:p>
+          <a:p>
+            <a:pPr lvl="1"/>
+            <a:r>
+              <a:rPr lang="pt-PT" dirty="0"/>
+              <a:t>Guardar informação necessária a eventos: Completa</a:t>
+            </a:r>
+          </a:p>
+          <a:p>
+            <a:pPr lvl="1"/>
+            <a:r>
+              <a:rPr lang="pt-PT" dirty="0"/>
+              <a:t>Adicionar sala automática a eventos: Completa</a:t>
+            </a:r>
+          </a:p>
+        </p:txBody>
+      </p:sp>
+      <p:sp>
+        <p:nvSpPr>
+          <p:cNvPr id="7" name="Slide Number Placeholder 6">
             <a:extLst>
               <a:ext uri="{FF2B5EF4-FFF2-40B4-BE49-F238E27FC236}">
-                <a16:creationId xmlns:a16="http://schemas.microsoft.com/office/drawing/2014/main" id="{6711CE59-85B7-4284-B225-807423ACB130}"/>
+                <a16:creationId xmlns:a16="http://schemas.microsoft.com/office/drawing/2014/main" id="{C87D4D42-375E-435D-97CA-BF842472DFEF}"/>
               </a:ext>
             </a:extLst>
           </p:cNvPr>
-          <p:cNvPicPr>
-            <a:picLocks noChangeAspect="1"/>
-          </p:cNvPicPr>
-          <p:nvPr/>
-        </p:nvPicPr>
-        <p:blipFill>
-          <a:blip r:embed="rId2"/>
-          <a:stretch>
-            <a:fillRect/>
-          </a:stretch>
-        </p:blipFill>
-        <p:spPr>
-          <a:xfrm>
-            <a:off x="1647455" y="3607170"/>
-            <a:ext cx="8897090" cy="1987557"/>
-          </a:xfrm>
-          <a:prstGeom prst="rect">
-            <a:avLst/>
-          </a:prstGeom>
-        </p:spPr>
-      </p:pic>
+          <p:cNvSpPr>
+            <a:spLocks noGrp="1"/>
+          </p:cNvSpPr>
+          <p:nvPr>
+            <p:ph type="sldNum" sz="quarter" idx="12"/>
+          </p:nvPr>
+        </p:nvSpPr>
+        <p:spPr/>
+        <p:txBody>
+          <a:bodyPr/>
+          <a:lstStyle/>
+          <a:p>
+            <a:fld id="{A98D3561-85BC-42C3-81F4-46ADCBF379BC}" type="slidenum">
+              <a:rPr lang="en-GB" smtClean="0"/>
+              <a:t>10</a:t>
+            </a:fld>
+            <a:endParaRPr lang="en-GB"/>
+          </a:p>
+        </p:txBody>
+      </p:sp>
     </p:spTree>
     <p:extLst>
       <p:ext uri="{BB962C8B-B14F-4D97-AF65-F5344CB8AC3E}">
-        <p14:creationId xmlns:p14="http://schemas.microsoft.com/office/powerpoint/2010/main" val="3662633784"/>
+        <p14:creationId xmlns:p14="http://schemas.microsoft.com/office/powerpoint/2010/main" val="3066072343"/>
       </p:ext>
     </p:extLst>
   </p:cSld>
@@ -4439,7 +4821,15 @@
           <a:p>
             <a:r>
               <a:rPr lang="pt-PT" dirty="0"/>
-              <a:t>Funcionalidades implementadas</a:t>
+              <a:t>Funcionalidades implementadas (</a:t>
+            </a:r>
+            <a:r>
+              <a:rPr lang="pt-PT" dirty="0" err="1"/>
+              <a:t>Cont</a:t>
+            </a:r>
+            <a:r>
+              <a:rPr lang="pt-PT" dirty="0"/>
+              <a:t>.)</a:t>
             </a:r>
             <a:endParaRPr lang="en-GB" dirty="0"/>
           </a:p>
@@ -4461,8 +4851,8 @@
         </p:nvSpPr>
         <p:spPr>
           <a:xfrm>
-            <a:off x="1066800" y="1927112"/>
-            <a:ext cx="10058400" cy="4207874"/>
+            <a:off x="1066800" y="1927111"/>
+            <a:ext cx="10058400" cy="4239773"/>
           </a:xfrm>
           <a:prstGeom prst="rect">
             <a:avLst/>
@@ -4470,7 +4860,7 @@
         </p:spPr>
         <p:txBody>
           <a:bodyPr vert="horz" lIns="0" tIns="45720" rIns="0" bIns="45720" rtlCol="0">
-            <a:noAutofit/>
+            <a:normAutofit/>
           </a:bodyPr>
           <a:lstStyle>
             <a:lvl1pPr marL="91440" indent="-91440" algn="l" defTabSz="914400" rtl="0" eaLnBrk="1" latinLnBrk="0" hangingPunct="1">
@@ -4722,99 +5112,129 @@
             <a:pPr lvl="1"/>
             <a:r>
               <a:rPr lang="pt-PT" dirty="0"/>
-              <a:t>Criar localização Cinemateca Portuguesa: Completa</a:t>
+              <a:t>Ler eventos depois, antes ou numa data especifica: Completa</a:t>
             </a:r>
           </a:p>
           <a:p>
             <a:pPr lvl="1"/>
             <a:r>
               <a:rPr lang="pt-PT" dirty="0"/>
-              <a:t>Guardar morada de cada localização de Cinemateca Portuguesa: Completa</a:t>
+              <a:t>Remover eventos: Completa</a:t>
             </a:r>
           </a:p>
           <a:p>
             <a:pPr lvl="1"/>
             <a:r>
               <a:rPr lang="pt-PT" dirty="0"/>
-              <a:t>Guardar eventos passados e futuros de cada localização de Cinemateca Portuguesa: Completa</a:t>
+              <a:t>Alterar informação de eventos: Completa</a:t>
             </a:r>
           </a:p>
           <a:p>
             <a:pPr lvl="1"/>
             <a:r>
               <a:rPr lang="pt-PT" dirty="0"/>
-              <a:t>Guardar aderentes associados a cada localização de Cinemateca Portuguesa: Completa</a:t>
+              <a:t>Criar salas: Completa</a:t>
             </a:r>
           </a:p>
           <a:p>
             <a:pPr lvl="1"/>
             <a:r>
               <a:rPr lang="pt-PT" dirty="0"/>
-              <a:t>Criar aderentes: Completa</a:t>
+              <a:t>Guardar informação necessária a sala: Completa</a:t>
             </a:r>
           </a:p>
           <a:p>
             <a:pPr lvl="1"/>
             <a:r>
               <a:rPr lang="pt-PT" dirty="0"/>
-              <a:t>Guardar informação necessária a aderentes: Completa</a:t>
+              <a:t>Alterar informação relativa a uma sala: Completa</a:t>
             </a:r>
           </a:p>
           <a:p>
             <a:pPr lvl="1"/>
             <a:r>
               <a:rPr lang="pt-PT" dirty="0"/>
-              <a:t>Alterar informação de aderentes: Completa</a:t>
+              <a:t>Encontrar sala especifica: Completa</a:t>
             </a:r>
           </a:p>
           <a:p>
             <a:pPr lvl="1"/>
             <a:r>
               <a:rPr lang="pt-PT" dirty="0"/>
-              <a:t>Encontrar aderentes específicos: Completa</a:t>
+              <a:t>Ler salas, ordenadas ou não: Completa</a:t>
             </a:r>
           </a:p>
           <a:p>
             <a:pPr lvl="1"/>
             <a:r>
               <a:rPr lang="pt-PT" dirty="0"/>
-              <a:t>Ler aderentes, ordenados ou não: Completa</a:t>
+              <a:t>Remover salas: Completa</a:t>
             </a:r>
           </a:p>
           <a:p>
             <a:pPr lvl="1"/>
             <a:r>
               <a:rPr lang="pt-PT" dirty="0"/>
-              <a:t>Remover aderentes: Completa</a:t>
+              <a:t>Reserva de bilhetes por aderentes: Completa</a:t>
             </a:r>
           </a:p>
           <a:p>
             <a:pPr lvl="1"/>
             <a:r>
               <a:rPr lang="pt-PT" dirty="0"/>
-              <a:t>Criar eventos: Completa</a:t>
+              <a:t>Uso de desconto no bilhete nos aderentes: Completa</a:t>
             </a:r>
           </a:p>
           <a:p>
             <a:pPr lvl="1"/>
             <a:r>
               <a:rPr lang="pt-PT" dirty="0"/>
-              <a:t>Guardar informação necessária a eventos: Completa</a:t>
+              <a:t>Mensagem a aderentes de mais de 65 anos, a 8 horas de um evento realizado no Porto com metade ou menos lotação: Completa</a:t>
             </a:r>
           </a:p>
           <a:p>
             <a:pPr lvl="1"/>
-            <a:r>
-              <a:rPr lang="pt-PT" dirty="0"/>
-              <a:t>Adicionar sala automática a eventos: Completa</a:t>
-            </a:r>
+            <a:endParaRPr lang="pt-PT" dirty="0"/>
+          </a:p>
+          <a:p>
+            <a:pPr lvl="1"/>
+            <a:endParaRPr lang="pt-PT" dirty="0"/>
+          </a:p>
+        </p:txBody>
+      </p:sp>
+      <p:sp>
+        <p:nvSpPr>
+          <p:cNvPr id="3" name="Slide Number Placeholder 2">
+            <a:extLst>
+              <a:ext uri="{FF2B5EF4-FFF2-40B4-BE49-F238E27FC236}">
+                <a16:creationId xmlns:a16="http://schemas.microsoft.com/office/drawing/2014/main" id="{D2FC516C-7114-4BDE-AF3D-88B3110A41EE}"/>
+              </a:ext>
+            </a:extLst>
+          </p:cNvPr>
+          <p:cNvSpPr>
+            <a:spLocks noGrp="1"/>
+          </p:cNvSpPr>
+          <p:nvPr>
+            <p:ph type="sldNum" sz="quarter" idx="12"/>
+          </p:nvPr>
+        </p:nvSpPr>
+        <p:spPr/>
+        <p:txBody>
+          <a:bodyPr/>
+          <a:lstStyle/>
+          <a:p>
+            <a:fld id="{A98D3561-85BC-42C3-81F4-46ADCBF379BC}" type="slidenum">
+              <a:rPr lang="en-GB" smtClean="0"/>
+              <a:t>11</a:t>
+            </a:fld>
+            <a:endParaRPr lang="en-GB"/>
           </a:p>
         </p:txBody>
       </p:sp>
     </p:spTree>
     <p:extLst>
       <p:ext uri="{BB962C8B-B14F-4D97-AF65-F5344CB8AC3E}">
-        <p14:creationId xmlns:p14="http://schemas.microsoft.com/office/powerpoint/2010/main" val="3066072343"/>
+        <p14:creationId xmlns:p14="http://schemas.microsoft.com/office/powerpoint/2010/main" val="2482251233"/>
       </p:ext>
     </p:extLst>
   </p:cSld>
@@ -4846,7 +5266,7 @@
           <p:cNvPr id="2" name="Title 1">
             <a:extLst>
               <a:ext uri="{FF2B5EF4-FFF2-40B4-BE49-F238E27FC236}">
-                <a16:creationId xmlns:a16="http://schemas.microsoft.com/office/drawing/2014/main" id="{05DAF39C-7BD8-4595-9448-66F468AD306A}"/>
+                <a16:creationId xmlns:a16="http://schemas.microsoft.com/office/drawing/2014/main" id="{2D306AB1-37CD-49BF-9D7A-F0C88E8D664D}"/>
               </a:ext>
             </a:extLst>
           </p:cNvPr>
@@ -4864,15 +5284,7 @@
           <a:p>
             <a:r>
               <a:rPr lang="pt-PT" dirty="0"/>
-              <a:t>Funcionalidades implementadas (</a:t>
-            </a:r>
-            <a:r>
-              <a:rPr lang="pt-PT" dirty="0" err="1"/>
-              <a:t>Cont</a:t>
-            </a:r>
-            <a:r>
-              <a:rPr lang="pt-PT" dirty="0"/>
-              <a:t>.)</a:t>
+              <a:t>Destaque</a:t>
             </a:r>
             <a:endParaRPr lang="en-GB" dirty="0"/>
           </a:p>
@@ -4880,10 +5292,39 @@
       </p:sp>
       <p:sp>
         <p:nvSpPr>
-          <p:cNvPr id="6" name="Content Placeholder 2">
+          <p:cNvPr id="4" name="Slide Number Placeholder 3">
             <a:extLst>
               <a:ext uri="{FF2B5EF4-FFF2-40B4-BE49-F238E27FC236}">
-                <a16:creationId xmlns:a16="http://schemas.microsoft.com/office/drawing/2014/main" id="{5B2D8F21-BCC1-4007-A72A-A9DE3CC356CC}"/>
+                <a16:creationId xmlns:a16="http://schemas.microsoft.com/office/drawing/2014/main" id="{CB75365F-BF30-4800-A69E-0EF1292AB082}"/>
+              </a:ext>
+            </a:extLst>
+          </p:cNvPr>
+          <p:cNvSpPr>
+            <a:spLocks noGrp="1"/>
+          </p:cNvSpPr>
+          <p:nvPr>
+            <p:ph type="sldNum" sz="quarter" idx="12"/>
+          </p:nvPr>
+        </p:nvSpPr>
+        <p:spPr/>
+        <p:txBody>
+          <a:bodyPr/>
+          <a:lstStyle/>
+          <a:p>
+            <a:fld id="{A98D3561-85BC-42C3-81F4-46ADCBF379BC}" type="slidenum">
+              <a:rPr lang="en-GB" smtClean="0"/>
+              <a:t>12</a:t>
+            </a:fld>
+            <a:endParaRPr lang="en-GB"/>
+          </a:p>
+        </p:txBody>
+      </p:sp>
+      <p:sp>
+        <p:nvSpPr>
+          <p:cNvPr id="5" name="Content Placeholder 2">
+            <a:extLst>
+              <a:ext uri="{FF2B5EF4-FFF2-40B4-BE49-F238E27FC236}">
+                <a16:creationId xmlns:a16="http://schemas.microsoft.com/office/drawing/2014/main" id="{DDAAF952-4C4D-4672-AE1C-F19B90F99CC8}"/>
               </a:ext>
             </a:extLst>
           </p:cNvPr>
@@ -5152,96 +5593,40 @@
             </a:lvl9pPr>
           </a:lstStyle>
           <a:p>
-            <a:pPr lvl="1"/>
+            <a:pPr lvl="1" algn="just"/>
             <a:r>
               <a:rPr lang="pt-PT" dirty="0"/>
-              <a:t>Ler eventos depois, antes ou numa data especifica: Completa</a:t>
-            </a:r>
-          </a:p>
-          <a:p>
-            <a:pPr lvl="1"/>
+              <a:t>Uma funcionalidade que foi bastante interessante para implementar foi o projeto da câmara municipal do Porto, em que os aderentes maiores de 65 anos tinham acesso a bilhetes grátis caso um evento que começasse nas próximas 8 horas estive com apenas metade ou menos lotação.</a:t>
+            </a:r>
+          </a:p>
+          <a:p>
+            <a:pPr lvl="1" algn="just"/>
             <a:r>
               <a:rPr lang="pt-PT" dirty="0"/>
-              <a:t>Remover eventos: Completa</a:t>
-            </a:r>
-          </a:p>
-          <a:p>
-            <a:pPr lvl="1"/>
+              <a:t>Para isso, testa-se se existem eventos que satisfaçam esses requerimentos, pesquisando num vetor de que guarda os objetos referentes aos aderentes do Porto.</a:t>
+            </a:r>
+          </a:p>
+          <a:p>
+            <a:pPr lvl="1" algn="just"/>
             <a:r>
               <a:rPr lang="pt-PT" dirty="0"/>
-              <a:t>Criar salas: Completa</a:t>
-            </a:r>
-          </a:p>
-          <a:p>
-            <a:pPr lvl="1"/>
+              <a:t>A seguir, inicializa-se uma </a:t>
+            </a:r>
+            <a:r>
+              <a:rPr lang="pt-PT" dirty="0" err="1"/>
+              <a:t>seed</a:t>
+            </a:r>
             <a:r>
               <a:rPr lang="pt-PT" dirty="0"/>
-              <a:t>Guardar informação necessária a sala: Completa</a:t>
-            </a:r>
-          </a:p>
-          <a:p>
-            <a:pPr lvl="1"/>
+              <a:t> de modo a que se possam obter resultados variados em diferentes execuções para simular se um aderente responde que sim ou não à mensagem que lhes pergunta se querem ir ao evento de graça.</a:t>
+            </a:r>
+          </a:p>
+          <a:p>
+            <a:pPr lvl="1" algn="just"/>
             <a:r>
               <a:rPr lang="pt-PT" dirty="0"/>
-              <a:t>Alterar informação relativa a uma sala: Completa</a:t>
-            </a:r>
-          </a:p>
-          <a:p>
-            <a:pPr lvl="1"/>
-            <a:r>
-              <a:rPr lang="pt-PT" dirty="0"/>
-              <a:t>Encontrar sala especifica: Completa</a:t>
-            </a:r>
-          </a:p>
-          <a:p>
-            <a:pPr lvl="1"/>
-            <a:r>
-              <a:rPr lang="pt-PT" dirty="0"/>
-              <a:t>Ler salas, ordenadas ou não: Completa</a:t>
-            </a:r>
-          </a:p>
-          <a:p>
-            <a:pPr lvl="1"/>
-            <a:r>
-              <a:rPr lang="pt-PT" dirty="0"/>
-              <a:t>Remover salas: Completa</a:t>
-            </a:r>
-          </a:p>
-          <a:p>
-            <a:pPr lvl="1"/>
-            <a:r>
-              <a:rPr lang="pt-PT" dirty="0"/>
-              <a:t>Reserva de bilhetes por aderentes: Completa</a:t>
-            </a:r>
-          </a:p>
-          <a:p>
-            <a:pPr lvl="1"/>
-            <a:r>
-              <a:rPr lang="pt-PT" dirty="0"/>
-              <a:t>Uso de desconto no bilhete nos aderentes: Completa</a:t>
-            </a:r>
-          </a:p>
-          <a:p>
-            <a:pPr lvl="1"/>
-            <a:r>
-              <a:rPr lang="pt-PT" dirty="0"/>
-              <a:t>Mensagem a aderentes de mais de 65 anos, a 8 horas de um evento realizado no Porto com metade ou menos lotação: </a:t>
-            </a:r>
-          </a:p>
-          <a:p>
-            <a:pPr lvl="1"/>
-            <a:r>
-              <a:rPr lang="pt-PT" dirty="0"/>
-              <a:t>Alterar informação de eventos: Completa</a:t>
-            </a:r>
-          </a:p>
-          <a:p>
-            <a:pPr lvl="1"/>
-            <a:endParaRPr lang="pt-PT" dirty="0"/>
-          </a:p>
-          <a:p>
-            <a:pPr lvl="1"/>
-            <a:endParaRPr lang="pt-PT" dirty="0"/>
+              <a:t>Por fim, a informação do evento e o número de pessoas que decidiram responder que sim é imprimida no ecrã.</a:t>
+            </a:r>
           </a:p>
           <a:p>
             <a:pPr lvl="1"/>
@@ -5252,7 +5637,7 @@
     </p:spTree>
     <p:extLst>
       <p:ext uri="{BB962C8B-B14F-4D97-AF65-F5344CB8AC3E}">
-        <p14:creationId xmlns:p14="http://schemas.microsoft.com/office/powerpoint/2010/main" val="2482251233"/>
+        <p14:creationId xmlns:p14="http://schemas.microsoft.com/office/powerpoint/2010/main" val="3035512287"/>
       </p:ext>
     </p:extLst>
   </p:cSld>
@@ -5284,90 +5669,6 @@
           <p:cNvPr id="2" name="Title 1">
             <a:extLst>
               <a:ext uri="{FF2B5EF4-FFF2-40B4-BE49-F238E27FC236}">
-                <a16:creationId xmlns:a16="http://schemas.microsoft.com/office/drawing/2014/main" id="{2D306AB1-37CD-49BF-9D7A-F0C88E8D664D}"/>
-              </a:ext>
-            </a:extLst>
-          </p:cNvPr>
-          <p:cNvSpPr>
-            <a:spLocks noGrp="1"/>
-          </p:cNvSpPr>
-          <p:nvPr>
-            <p:ph type="title"/>
-          </p:nvPr>
-        </p:nvSpPr>
-        <p:spPr/>
-        <p:txBody>
-          <a:bodyPr/>
-          <a:lstStyle/>
-          <a:p>
-            <a:r>
-              <a:rPr lang="pt-PT" dirty="0"/>
-              <a:t>Destaque</a:t>
-            </a:r>
-            <a:endParaRPr lang="en-GB" dirty="0"/>
-          </a:p>
-        </p:txBody>
-      </p:sp>
-      <p:sp>
-        <p:nvSpPr>
-          <p:cNvPr id="3" name="Content Placeholder 2">
-            <a:extLst>
-              <a:ext uri="{FF2B5EF4-FFF2-40B4-BE49-F238E27FC236}">
-                <a16:creationId xmlns:a16="http://schemas.microsoft.com/office/drawing/2014/main" id="{29D440BD-8649-43C2-927C-C9613E508165}"/>
-              </a:ext>
-            </a:extLst>
-          </p:cNvPr>
-          <p:cNvSpPr>
-            <a:spLocks noGrp="1"/>
-          </p:cNvSpPr>
-          <p:nvPr>
-            <p:ph idx="1"/>
-          </p:nvPr>
-        </p:nvSpPr>
-        <p:spPr/>
-        <p:txBody>
-          <a:bodyPr/>
-          <a:lstStyle/>
-          <a:p>
-            <a:endParaRPr lang="en-GB" dirty="0"/>
-          </a:p>
-        </p:txBody>
-      </p:sp>
-    </p:spTree>
-    <p:extLst>
-      <p:ext uri="{BB962C8B-B14F-4D97-AF65-F5344CB8AC3E}">
-        <p14:creationId xmlns:p14="http://schemas.microsoft.com/office/powerpoint/2010/main" val="3035512287"/>
-      </p:ext>
-    </p:extLst>
-  </p:cSld>
-  <p:clrMapOvr>
-    <a:masterClrMapping/>
-  </p:clrMapOvr>
-</p:sld>
-</file>
-
-<file path=ppt/slides/slide14.xml><?xml version="1.0" encoding="utf-8"?>
-<p:sld xmlns:a="http://schemas.openxmlformats.org/drawingml/2006/main" xmlns:r="http://schemas.openxmlformats.org/officeDocument/2006/relationships" xmlns:p="http://schemas.openxmlformats.org/presentationml/2006/main">
-  <p:cSld>
-    <p:spTree>
-      <p:nvGrpSpPr>
-        <p:cNvPr id="1" name=""/>
-        <p:cNvGrpSpPr/>
-        <p:nvPr/>
-      </p:nvGrpSpPr>
-      <p:grpSpPr>
-        <a:xfrm>
-          <a:off x="0" y="0"/>
-          <a:ext cx="0" cy="0"/>
-          <a:chOff x="0" y="0"/>
-          <a:chExt cx="0" cy="0"/>
-        </a:xfrm>
-      </p:grpSpPr>
-      <p:sp>
-        <p:nvSpPr>
-          <p:cNvPr id="2" name="Title 1">
-            <a:extLst>
-              <a:ext uri="{FF2B5EF4-FFF2-40B4-BE49-F238E27FC236}">
                 <a16:creationId xmlns:a16="http://schemas.microsoft.com/office/drawing/2014/main" id="{1F146206-27F6-44D7-91EC-8CF18AFA5172}"/>
               </a:ext>
             </a:extLst>
@@ -5668,12 +5969,16 @@
           <a:p>
             <a:pPr lvl="1" algn="just"/>
             <a:r>
+              <a:rPr lang="pt-PT" dirty="0"/>
+              <a:t>A maior dificuldade encontrada foi no tratamento dos inputs, especialmente no uso de </a:t>
+            </a:r>
+            <a:r>
               <a:rPr lang="pt-PT" dirty="0" err="1"/>
-              <a:t>Dif</a:t>
+              <a:t>getline</a:t>
             </a:r>
             <a:r>
               <a:rPr lang="pt-PT" dirty="0"/>
-              <a:t>.</a:t>
+              <a:t>(), que resultou em vários erros e em demasiado tempo para os tratar.</a:t>
             </a:r>
           </a:p>
           <a:p>
@@ -5706,6 +6011,35 @@
           <a:p>
             <a:pPr lvl="1"/>
             <a:endParaRPr lang="pt-PT" dirty="0"/>
+          </a:p>
+        </p:txBody>
+      </p:sp>
+      <p:sp>
+        <p:nvSpPr>
+          <p:cNvPr id="5" name="Slide Number Placeholder 4">
+            <a:extLst>
+              <a:ext uri="{FF2B5EF4-FFF2-40B4-BE49-F238E27FC236}">
+                <a16:creationId xmlns:a16="http://schemas.microsoft.com/office/drawing/2014/main" id="{02F6CD11-35D1-4D86-87E1-681415D2793E}"/>
+              </a:ext>
+            </a:extLst>
+          </p:cNvPr>
+          <p:cNvSpPr>
+            <a:spLocks noGrp="1"/>
+          </p:cNvSpPr>
+          <p:nvPr>
+            <p:ph type="sldNum" sz="quarter" idx="12"/>
+          </p:nvPr>
+        </p:nvSpPr>
+        <p:spPr/>
+        <p:txBody>
+          <a:bodyPr/>
+          <a:lstStyle/>
+          <a:p>
+            <a:fld id="{A98D3561-85BC-42C3-81F4-46ADCBF379BC}" type="slidenum">
+              <a:rPr lang="en-GB" smtClean="0"/>
+              <a:t>13</a:t>
+            </a:fld>
+            <a:endParaRPr lang="en-GB"/>
           </a:p>
         </p:txBody>
       </p:sp>
@@ -5822,6 +6156,35 @@
           </a:p>
         </p:txBody>
       </p:sp>
+      <p:sp>
+        <p:nvSpPr>
+          <p:cNvPr id="4" name="Slide Number Placeholder 3">
+            <a:extLst>
+              <a:ext uri="{FF2B5EF4-FFF2-40B4-BE49-F238E27FC236}">
+                <a16:creationId xmlns:a16="http://schemas.microsoft.com/office/drawing/2014/main" id="{8FBE632C-6B43-456B-971A-E963750A9B7A}"/>
+              </a:ext>
+            </a:extLst>
+          </p:cNvPr>
+          <p:cNvSpPr>
+            <a:spLocks noGrp="1"/>
+          </p:cNvSpPr>
+          <p:nvPr>
+            <p:ph type="sldNum" sz="quarter" idx="12"/>
+          </p:nvPr>
+        </p:nvSpPr>
+        <p:spPr/>
+        <p:txBody>
+          <a:bodyPr/>
+          <a:lstStyle/>
+          <a:p>
+            <a:fld id="{A98D3561-85BC-42C3-81F4-46ADCBF379BC}" type="slidenum">
+              <a:rPr lang="en-GB" smtClean="0"/>
+              <a:t>2</a:t>
+            </a:fld>
+            <a:endParaRPr lang="en-GB" dirty="0"/>
+          </a:p>
+        </p:txBody>
+      </p:sp>
     </p:spTree>
     <p:extLst>
       <p:ext uri="{BB962C8B-B14F-4D97-AF65-F5344CB8AC3E}">
@@ -5877,7 +6240,7 @@
         </p:spPr>
         <p:txBody>
           <a:bodyPr vert="horz" lIns="0" tIns="45720" rIns="0" bIns="45720" rtlCol="0">
-            <a:normAutofit lnSpcReduction="10000"/>
+            <a:normAutofit/>
           </a:bodyPr>
           <a:lstStyle>
             <a:lvl1pPr marL="91440" indent="-91440" algn="l" defTabSz="914400" rtl="0" eaLnBrk="1" latinLnBrk="0" hangingPunct="1">
@@ -6165,13 +6528,6 @@
             <a:r>
               <a:rPr lang="pt-PT" dirty="0"/>
               <a:t>A informação destes é guardada no ficheiro “EventosPorto.txt” ou “EventosLisboa.txt”, dependendo em que cidade o evento se realiza.</a:t>
-            </a:r>
-          </a:p>
-          <a:p>
-            <a:pPr lvl="1" algn="just"/>
-            <a:r>
-              <a:rPr lang="pt-PT" dirty="0"/>
-              <a:t>As salas para eventos também são guardadas numa classe Sala e são caracterizadas pelo seu nome e capacidade, dois atributos que podem ser mudados a qualquer momento. Estas estão associadas a uma única localização.</a:t>
             </a:r>
           </a:p>
         </p:txBody>
@@ -6272,6 +6628,35 @@
           </a:p>
         </p:txBody>
       </p:sp>
+      <p:sp>
+        <p:nvSpPr>
+          <p:cNvPr id="9" name="Slide Number Placeholder 8">
+            <a:extLst>
+              <a:ext uri="{FF2B5EF4-FFF2-40B4-BE49-F238E27FC236}">
+                <a16:creationId xmlns:a16="http://schemas.microsoft.com/office/drawing/2014/main" id="{A05D47B1-F214-4577-B94D-68C0A98F42EE}"/>
+              </a:ext>
+            </a:extLst>
+          </p:cNvPr>
+          <p:cNvSpPr>
+            <a:spLocks noGrp="1"/>
+          </p:cNvSpPr>
+          <p:nvPr>
+            <p:ph type="sldNum" sz="quarter" idx="12"/>
+          </p:nvPr>
+        </p:nvSpPr>
+        <p:spPr/>
+        <p:txBody>
+          <a:bodyPr/>
+          <a:lstStyle/>
+          <a:p>
+            <a:fld id="{A98D3561-85BC-42C3-81F4-46ADCBF379BC}" type="slidenum">
+              <a:rPr lang="en-GB" smtClean="0"/>
+              <a:t>3</a:t>
+            </a:fld>
+            <a:endParaRPr lang="en-GB"/>
+          </a:p>
+        </p:txBody>
+      </p:sp>
     </p:spTree>
     <p:extLst>
       <p:ext uri="{BB962C8B-B14F-4D97-AF65-F5344CB8AC3E}">
@@ -6701,7 +7086,7 @@
         </p:nvSpPr>
         <p:spPr>
           <a:xfrm>
-            <a:off x="1219200" y="1254581"/>
+            <a:off x="1066800" y="1273042"/>
             <a:ext cx="10058400" cy="4943512"/>
           </a:xfrm>
           <a:prstGeom prst="rect">
@@ -6962,6 +7347,13 @@
             <a:pPr lvl="1" algn="just"/>
             <a:r>
               <a:rPr lang="pt-PT" dirty="0"/>
+              <a:t>As salas para eventos também são guardadas numa classe Sala e são caracterizadas pelo seu nome e capacidade, dois atributos que podem ser mudados a qualquer momento. Estas estão associadas a uma única localização.</a:t>
+            </a:r>
+          </a:p>
+          <a:p>
+            <a:pPr lvl="1" algn="just"/>
+            <a:r>
+              <a:rPr lang="pt-PT" dirty="0"/>
               <a:t>A informação das Salas é guardada no ficheiro “SalasPorto.txt” ou “SalasLisboa.txt”, dependendo da cidade em que a sala está situada.</a:t>
             </a:r>
           </a:p>
@@ -7013,6 +7405,35 @@
           <a:p>
             <a:pPr lvl="1" algn="just"/>
             <a:endParaRPr lang="pt-PT" dirty="0"/>
+          </a:p>
+        </p:txBody>
+      </p:sp>
+      <p:sp>
+        <p:nvSpPr>
+          <p:cNvPr id="3" name="Slide Number Placeholder 2">
+            <a:extLst>
+              <a:ext uri="{FF2B5EF4-FFF2-40B4-BE49-F238E27FC236}">
+                <a16:creationId xmlns:a16="http://schemas.microsoft.com/office/drawing/2014/main" id="{267D5627-C411-4EA3-A041-3A70C780CBB6}"/>
+              </a:ext>
+            </a:extLst>
+          </p:cNvPr>
+          <p:cNvSpPr>
+            <a:spLocks noGrp="1"/>
+          </p:cNvSpPr>
+          <p:nvPr>
+            <p:ph type="sldNum" sz="quarter" idx="12"/>
+          </p:nvPr>
+        </p:nvSpPr>
+        <p:spPr/>
+        <p:txBody>
+          <a:bodyPr/>
+          <a:lstStyle/>
+          <a:p>
+            <a:fld id="{A98D3561-85BC-42C3-81F4-46ADCBF379BC}" type="slidenum">
+              <a:rPr lang="en-GB" smtClean="0"/>
+              <a:t>4</a:t>
+            </a:fld>
+            <a:endParaRPr lang="en-GB"/>
           </a:p>
         </p:txBody>
       </p:sp>
@@ -7145,6 +7566,42 @@
           </a:prstGeom>
         </p:spPr>
       </p:pic>
+      <p:sp>
+        <p:nvSpPr>
+          <p:cNvPr id="18" name="Slide Number Placeholder 17">
+            <a:extLst>
+              <a:ext uri="{FF2B5EF4-FFF2-40B4-BE49-F238E27FC236}">
+                <a16:creationId xmlns:a16="http://schemas.microsoft.com/office/drawing/2014/main" id="{600A7414-82C0-45B0-BF4D-57415068DE03}"/>
+              </a:ext>
+            </a:extLst>
+          </p:cNvPr>
+          <p:cNvSpPr>
+            <a:spLocks noGrp="1"/>
+          </p:cNvSpPr>
+          <p:nvPr>
+            <p:ph type="sldNum" sz="quarter" idx="12"/>
+          </p:nvPr>
+        </p:nvSpPr>
+        <p:spPr>
+          <a:xfrm>
+            <a:off x="126356" y="6492875"/>
+            <a:ext cx="1312025" cy="365125"/>
+          </a:xfrm>
+        </p:spPr>
+        <p:txBody>
+          <a:bodyPr/>
+          <a:lstStyle/>
+          <a:p>
+            <a:pPr algn="l"/>
+            <a:fld id="{A98D3561-85BC-42C3-81F4-46ADCBF379BC}" type="slidenum">
+              <a:rPr lang="en-GB" smtClean="0"/>
+              <a:pPr algn="l"/>
+              <a:t>5</a:t>
+            </a:fld>
+            <a:endParaRPr lang="en-GB"/>
+          </a:p>
+        </p:txBody>
+      </p:sp>
     </p:spTree>
     <p:extLst>
       <p:ext uri="{BB962C8B-B14F-4D97-AF65-F5344CB8AC3E}">
@@ -7529,6 +7986,35 @@
           </a:prstGeom>
         </p:spPr>
       </p:pic>
+      <p:sp>
+        <p:nvSpPr>
+          <p:cNvPr id="14" name="Slide Number Placeholder 13">
+            <a:extLst>
+              <a:ext uri="{FF2B5EF4-FFF2-40B4-BE49-F238E27FC236}">
+                <a16:creationId xmlns:a16="http://schemas.microsoft.com/office/drawing/2014/main" id="{E86DBFFF-1032-4EAA-842E-0723239BFA02}"/>
+              </a:ext>
+            </a:extLst>
+          </p:cNvPr>
+          <p:cNvSpPr>
+            <a:spLocks noGrp="1"/>
+          </p:cNvSpPr>
+          <p:nvPr>
+            <p:ph type="sldNum" sz="quarter" idx="12"/>
+          </p:nvPr>
+        </p:nvSpPr>
+        <p:spPr/>
+        <p:txBody>
+          <a:bodyPr/>
+          <a:lstStyle/>
+          <a:p>
+            <a:fld id="{A98D3561-85BC-42C3-81F4-46ADCBF379BC}" type="slidenum">
+              <a:rPr lang="en-GB" smtClean="0"/>
+              <a:t>6</a:t>
+            </a:fld>
+            <a:endParaRPr lang="en-GB"/>
+          </a:p>
+        </p:txBody>
+      </p:sp>
     </p:spTree>
     <p:extLst>
       <p:ext uri="{BB962C8B-B14F-4D97-AF65-F5344CB8AC3E}">
@@ -7987,6 +8473,35 @@
           </a:p>
         </p:txBody>
       </p:sp>
+      <p:sp>
+        <p:nvSpPr>
+          <p:cNvPr id="13" name="Slide Number Placeholder 12">
+            <a:extLst>
+              <a:ext uri="{FF2B5EF4-FFF2-40B4-BE49-F238E27FC236}">
+                <a16:creationId xmlns:a16="http://schemas.microsoft.com/office/drawing/2014/main" id="{81F0D953-ACBF-44DA-8952-535C5747DE10}"/>
+              </a:ext>
+            </a:extLst>
+          </p:cNvPr>
+          <p:cNvSpPr>
+            <a:spLocks noGrp="1"/>
+          </p:cNvSpPr>
+          <p:nvPr>
+            <p:ph type="sldNum" sz="quarter" idx="12"/>
+          </p:nvPr>
+        </p:nvSpPr>
+        <p:spPr/>
+        <p:txBody>
+          <a:bodyPr/>
+          <a:lstStyle/>
+          <a:p>
+            <a:fld id="{A98D3561-85BC-42C3-81F4-46ADCBF379BC}" type="slidenum">
+              <a:rPr lang="en-GB" smtClean="0"/>
+              <a:t>7</a:t>
+            </a:fld>
+            <a:endParaRPr lang="en-GB"/>
+          </a:p>
+        </p:txBody>
+      </p:sp>
     </p:spTree>
     <p:extLst>
       <p:ext uri="{BB962C8B-B14F-4D97-AF65-F5344CB8AC3E}">
@@ -8017,45 +8532,402 @@
           <a:chExt cx="0" cy="0"/>
         </a:xfrm>
       </p:grpSpPr>
-      <p:pic>
-        <p:nvPicPr>
-          <p:cNvPr id="3" name="Picture 2" descr="A close up of text on a white background&#10;&#10;Description automatically generated">
+      <p:sp>
+        <p:nvSpPr>
+          <p:cNvPr id="2" name="Title 1">
             <a:extLst>
               <a:ext uri="{FF2B5EF4-FFF2-40B4-BE49-F238E27FC236}">
-                <a16:creationId xmlns:a16="http://schemas.microsoft.com/office/drawing/2014/main" id="{49AB6141-C948-4D39-AEAB-786EAF2C1109}"/>
+                <a16:creationId xmlns:a16="http://schemas.microsoft.com/office/drawing/2014/main" id="{95F45D87-74E6-4970-9F59-08A97ABA67AB}"/>
               </a:ext>
             </a:extLst>
           </p:cNvPr>
-          <p:cNvPicPr>
-            <a:picLocks noChangeAspect="1"/>
-          </p:cNvPicPr>
-          <p:nvPr/>
-        </p:nvPicPr>
-        <p:blipFill rotWithShape="1">
-          <a:blip r:embed="rId2">
+          <p:cNvSpPr>
+            <a:spLocks noGrp="1"/>
+          </p:cNvSpPr>
+          <p:nvPr>
+            <p:ph type="title"/>
+          </p:nvPr>
+        </p:nvSpPr>
+        <p:spPr/>
+        <p:txBody>
+          <a:bodyPr/>
+          <a:lstStyle/>
+          <a:p>
+            <a:r>
+              <a:rPr lang="pt-PT" dirty="0"/>
+              <a:t>Estrutura de ficheiro</a:t>
+            </a:r>
+            <a:endParaRPr lang="en-GB" dirty="0"/>
+          </a:p>
+        </p:txBody>
+      </p:sp>
+      <p:sp>
+        <p:nvSpPr>
+          <p:cNvPr id="6" name="Content Placeholder 2">
             <a:extLst>
-              <a:ext uri="{28A0092B-C50C-407E-A947-70E740481C1C}">
-                <a14:useLocalDpi xmlns:a14="http://schemas.microsoft.com/office/drawing/2010/main" val="0"/>
+              <a:ext uri="{FF2B5EF4-FFF2-40B4-BE49-F238E27FC236}">
+                <a16:creationId xmlns:a16="http://schemas.microsoft.com/office/drawing/2014/main" id="{D68586CD-498E-445E-963F-77DCE121AEE2}"/>
               </a:ext>
             </a:extLst>
-          </a:blip>
-          <a:srcRect r="59251" b="61395"/>
-          <a:stretch/>
-        </p:blipFill>
+          </p:cNvPr>
+          <p:cNvSpPr txBox="1">
+            <a:spLocks/>
+          </p:cNvSpPr>
+          <p:nvPr/>
+        </p:nvSpPr>
         <p:spPr>
           <a:xfrm>
-            <a:off x="2801062" y="0"/>
-            <a:ext cx="2685338" cy="2647507"/>
+            <a:off x="1066800" y="1927112"/>
+            <a:ext cx="10058400" cy="4023360"/>
           </a:xfrm>
           <a:prstGeom prst="rect">
             <a:avLst/>
           </a:prstGeom>
         </p:spPr>
-      </p:pic>
+        <p:txBody>
+          <a:bodyPr vert="horz" lIns="0" tIns="45720" rIns="0" bIns="45720" rtlCol="0">
+            <a:normAutofit/>
+          </a:bodyPr>
+          <a:lstStyle>
+            <a:lvl1pPr marL="91440" indent="-91440" algn="l" defTabSz="914400" rtl="0" eaLnBrk="1" latinLnBrk="0" hangingPunct="1">
+              <a:lnSpc>
+                <a:spcPct val="90000"/>
+              </a:lnSpc>
+              <a:spcBef>
+                <a:spcPts val="1200"/>
+              </a:spcBef>
+              <a:spcAft>
+                <a:spcPts val="200"/>
+              </a:spcAft>
+              <a:buClr>
+                <a:schemeClr val="accent1"/>
+              </a:buClr>
+              <a:buSzPct val="100000"/>
+              <a:buFont typeface="Calibri" panose="020F0502020204030204" pitchFamily="34" charset="0"/>
+              <a:buChar char=" "/>
+              <a:defRPr sz="2000" kern="1200">
+                <a:solidFill>
+                  <a:schemeClr val="tx1">
+                    <a:lumMod val="75000"/>
+                    <a:lumOff val="25000"/>
+                  </a:schemeClr>
+                </a:solidFill>
+                <a:latin typeface="+mn-lt"/>
+                <a:ea typeface="+mn-ea"/>
+                <a:cs typeface="+mn-cs"/>
+              </a:defRPr>
+            </a:lvl1pPr>
+            <a:lvl2pPr marL="384048" indent="-182880" algn="l" defTabSz="914400" rtl="0" eaLnBrk="1" latinLnBrk="0" hangingPunct="1">
+              <a:lnSpc>
+                <a:spcPct val="90000"/>
+              </a:lnSpc>
+              <a:spcBef>
+                <a:spcPts val="200"/>
+              </a:spcBef>
+              <a:spcAft>
+                <a:spcPts val="400"/>
+              </a:spcAft>
+              <a:buClr>
+                <a:schemeClr val="accent1"/>
+              </a:buClr>
+              <a:buFont typeface="Calibri" pitchFamily="34" charset="0"/>
+              <a:buChar char="◦"/>
+              <a:defRPr sz="1800" kern="1200">
+                <a:solidFill>
+                  <a:schemeClr val="tx1">
+                    <a:lumMod val="75000"/>
+                    <a:lumOff val="25000"/>
+                  </a:schemeClr>
+                </a:solidFill>
+                <a:latin typeface="+mn-lt"/>
+                <a:ea typeface="+mn-ea"/>
+                <a:cs typeface="+mn-cs"/>
+              </a:defRPr>
+            </a:lvl2pPr>
+            <a:lvl3pPr marL="566928" indent="-182880" algn="l" defTabSz="914400" rtl="0" eaLnBrk="1" latinLnBrk="0" hangingPunct="1">
+              <a:lnSpc>
+                <a:spcPct val="90000"/>
+              </a:lnSpc>
+              <a:spcBef>
+                <a:spcPts val="200"/>
+              </a:spcBef>
+              <a:spcAft>
+                <a:spcPts val="400"/>
+              </a:spcAft>
+              <a:buClr>
+                <a:schemeClr val="accent1"/>
+              </a:buClr>
+              <a:buFont typeface="Calibri" pitchFamily="34" charset="0"/>
+              <a:buChar char="◦"/>
+              <a:defRPr sz="1400" kern="1200">
+                <a:solidFill>
+                  <a:schemeClr val="tx1">
+                    <a:lumMod val="75000"/>
+                    <a:lumOff val="25000"/>
+                  </a:schemeClr>
+                </a:solidFill>
+                <a:latin typeface="+mn-lt"/>
+                <a:ea typeface="+mn-ea"/>
+                <a:cs typeface="+mn-cs"/>
+              </a:defRPr>
+            </a:lvl3pPr>
+            <a:lvl4pPr marL="749808" indent="-182880" algn="l" defTabSz="914400" rtl="0" eaLnBrk="1" latinLnBrk="0" hangingPunct="1">
+              <a:lnSpc>
+                <a:spcPct val="90000"/>
+              </a:lnSpc>
+              <a:spcBef>
+                <a:spcPts val="200"/>
+              </a:spcBef>
+              <a:spcAft>
+                <a:spcPts val="400"/>
+              </a:spcAft>
+              <a:buClr>
+                <a:schemeClr val="accent1"/>
+              </a:buClr>
+              <a:buFont typeface="Calibri" pitchFamily="34" charset="0"/>
+              <a:buChar char="◦"/>
+              <a:defRPr sz="1400" kern="1200">
+                <a:solidFill>
+                  <a:schemeClr val="tx1">
+                    <a:lumMod val="75000"/>
+                    <a:lumOff val="25000"/>
+                  </a:schemeClr>
+                </a:solidFill>
+                <a:latin typeface="+mn-lt"/>
+                <a:ea typeface="+mn-ea"/>
+                <a:cs typeface="+mn-cs"/>
+              </a:defRPr>
+            </a:lvl4pPr>
+            <a:lvl5pPr marL="932688" indent="-182880" algn="l" defTabSz="914400" rtl="0" eaLnBrk="1" latinLnBrk="0" hangingPunct="1">
+              <a:lnSpc>
+                <a:spcPct val="90000"/>
+              </a:lnSpc>
+              <a:spcBef>
+                <a:spcPts val="200"/>
+              </a:spcBef>
+              <a:spcAft>
+                <a:spcPts val="400"/>
+              </a:spcAft>
+              <a:buClr>
+                <a:schemeClr val="accent1"/>
+              </a:buClr>
+              <a:buFont typeface="Calibri" pitchFamily="34" charset="0"/>
+              <a:buChar char="◦"/>
+              <a:defRPr sz="1400" kern="1200">
+                <a:solidFill>
+                  <a:schemeClr val="tx1">
+                    <a:lumMod val="75000"/>
+                    <a:lumOff val="25000"/>
+                  </a:schemeClr>
+                </a:solidFill>
+                <a:latin typeface="+mn-lt"/>
+                <a:ea typeface="+mn-ea"/>
+                <a:cs typeface="+mn-cs"/>
+              </a:defRPr>
+            </a:lvl5pPr>
+            <a:lvl6pPr marL="1100000" indent="-228600" algn="l" defTabSz="914400" rtl="0" eaLnBrk="1" latinLnBrk="0" hangingPunct="1">
+              <a:lnSpc>
+                <a:spcPct val="90000"/>
+              </a:lnSpc>
+              <a:spcBef>
+                <a:spcPts val="200"/>
+              </a:spcBef>
+              <a:spcAft>
+                <a:spcPts val="400"/>
+              </a:spcAft>
+              <a:buClr>
+                <a:schemeClr val="accent1"/>
+              </a:buClr>
+              <a:buFont typeface="Calibri" pitchFamily="34" charset="0"/>
+              <a:buChar char="◦"/>
+              <a:defRPr sz="1400" kern="1200">
+                <a:solidFill>
+                  <a:schemeClr val="tx1">
+                    <a:lumMod val="75000"/>
+                    <a:lumOff val="25000"/>
+                  </a:schemeClr>
+                </a:solidFill>
+                <a:latin typeface="+mn-lt"/>
+                <a:ea typeface="+mn-ea"/>
+                <a:cs typeface="+mn-cs"/>
+              </a:defRPr>
+            </a:lvl6pPr>
+            <a:lvl7pPr marL="1300000" indent="-228600" algn="l" defTabSz="914400" rtl="0" eaLnBrk="1" latinLnBrk="0" hangingPunct="1">
+              <a:lnSpc>
+                <a:spcPct val="90000"/>
+              </a:lnSpc>
+              <a:spcBef>
+                <a:spcPts val="200"/>
+              </a:spcBef>
+              <a:spcAft>
+                <a:spcPts val="400"/>
+              </a:spcAft>
+              <a:buClr>
+                <a:schemeClr val="accent1"/>
+              </a:buClr>
+              <a:buFont typeface="Calibri" pitchFamily="34" charset="0"/>
+              <a:buChar char="◦"/>
+              <a:defRPr sz="1400" kern="1200">
+                <a:solidFill>
+                  <a:schemeClr val="tx1">
+                    <a:lumMod val="75000"/>
+                    <a:lumOff val="25000"/>
+                  </a:schemeClr>
+                </a:solidFill>
+                <a:latin typeface="+mn-lt"/>
+                <a:ea typeface="+mn-ea"/>
+                <a:cs typeface="+mn-cs"/>
+              </a:defRPr>
+            </a:lvl7pPr>
+            <a:lvl8pPr marL="1500000" indent="-228600" algn="l" defTabSz="914400" rtl="0" eaLnBrk="1" latinLnBrk="0" hangingPunct="1">
+              <a:lnSpc>
+                <a:spcPct val="90000"/>
+              </a:lnSpc>
+              <a:spcBef>
+                <a:spcPts val="200"/>
+              </a:spcBef>
+              <a:spcAft>
+                <a:spcPts val="400"/>
+              </a:spcAft>
+              <a:buClr>
+                <a:schemeClr val="accent1"/>
+              </a:buClr>
+              <a:buFont typeface="Calibri" pitchFamily="34" charset="0"/>
+              <a:buChar char="◦"/>
+              <a:defRPr sz="1400" kern="1200">
+                <a:solidFill>
+                  <a:schemeClr val="tx1">
+                    <a:lumMod val="75000"/>
+                    <a:lumOff val="25000"/>
+                  </a:schemeClr>
+                </a:solidFill>
+                <a:latin typeface="+mn-lt"/>
+                <a:ea typeface="+mn-ea"/>
+                <a:cs typeface="+mn-cs"/>
+              </a:defRPr>
+            </a:lvl8pPr>
+            <a:lvl9pPr marL="1700000" indent="-228600" algn="l" defTabSz="914400" rtl="0" eaLnBrk="1" latinLnBrk="0" hangingPunct="1">
+              <a:lnSpc>
+                <a:spcPct val="90000"/>
+              </a:lnSpc>
+              <a:spcBef>
+                <a:spcPts val="200"/>
+              </a:spcBef>
+              <a:spcAft>
+                <a:spcPts val="400"/>
+              </a:spcAft>
+              <a:buClr>
+                <a:schemeClr val="accent1"/>
+              </a:buClr>
+              <a:buFont typeface="Calibri" pitchFamily="34" charset="0"/>
+              <a:buChar char="◦"/>
+              <a:defRPr sz="1400" kern="1200">
+                <a:solidFill>
+                  <a:schemeClr val="tx1">
+                    <a:lumMod val="75000"/>
+                    <a:lumOff val="25000"/>
+                  </a:schemeClr>
+                </a:solidFill>
+                <a:latin typeface="+mn-lt"/>
+                <a:ea typeface="+mn-ea"/>
+                <a:cs typeface="+mn-cs"/>
+              </a:defRPr>
+            </a:lvl9pPr>
+          </a:lstStyle>
+          <a:p>
+            <a:pPr lvl="1" algn="just"/>
+            <a:r>
+              <a:rPr lang="pt-PT" dirty="0"/>
+              <a:t>A informação é guardada e lida em cada ficheiro com o auxilia de funções, que, para guardar, utilizam o operador output e, para ler, utilizam o operador input.</a:t>
+            </a:r>
+          </a:p>
+          <a:p>
+            <a:pPr lvl="1" algn="just"/>
+            <a:r>
+              <a:rPr lang="pt-PT" dirty="0"/>
+              <a:t>Em cada ficheiro, os elementos diferentes estão separados ou por um espaço ou por um </a:t>
+            </a:r>
+            <a:r>
+              <a:rPr lang="pt-PT" dirty="0" err="1"/>
+              <a:t>tab</a:t>
+            </a:r>
+            <a:r>
+              <a:rPr lang="pt-PT" dirty="0"/>
+              <a:t>, de forma a facilitar a leitura no use de </a:t>
+            </a:r>
+            <a:r>
+              <a:rPr lang="pt-PT" dirty="0" err="1"/>
+              <a:t>cin</a:t>
+            </a:r>
+            <a:r>
+              <a:rPr lang="pt-PT" dirty="0"/>
+              <a:t> e de </a:t>
+            </a:r>
+            <a:r>
+              <a:rPr lang="pt-PT" dirty="0" err="1"/>
+              <a:t>getline</a:t>
+            </a:r>
+            <a:r>
+              <a:rPr lang="pt-PT" dirty="0"/>
+              <a:t>.</a:t>
+            </a:r>
+          </a:p>
+          <a:p>
+            <a:pPr lvl="1" algn="just"/>
+            <a:r>
+              <a:rPr lang="pt-PT" dirty="0"/>
+              <a:t>Sempre que um ficheiro é lido, preenche-se cada atributo da classe devida e guarda-se o objeto num vetor na classe Cinemateca.</a:t>
+            </a:r>
+          </a:p>
+          <a:p>
+            <a:pPr lvl="1" algn="just"/>
+            <a:r>
+              <a:rPr lang="pt-PT" dirty="0"/>
+              <a:t>Para escrever nos ficheiros, percorre-se o vetor ou vetores que contém os objetos da classe e divide-se em atributos, com as delimitações devidas.</a:t>
+            </a:r>
+          </a:p>
+          <a:p>
+            <a:pPr lvl="1" algn="just"/>
+            <a:r>
+              <a:rPr lang="pt-PT" dirty="0"/>
+              <a:t>Aqui, sempre que se escreve num ficheiro, substitui-se a informação existente lá, sendo que sempre que se guarda, guardam-se todos os valores.</a:t>
+            </a:r>
+          </a:p>
+        </p:txBody>
+      </p:sp>
+      <p:sp>
+        <p:nvSpPr>
+          <p:cNvPr id="7" name="Slide Number Placeholder 6">
+            <a:extLst>
+              <a:ext uri="{FF2B5EF4-FFF2-40B4-BE49-F238E27FC236}">
+                <a16:creationId xmlns:a16="http://schemas.microsoft.com/office/drawing/2014/main" id="{4978C5CC-630C-4B39-B4AD-F3823D681C13}"/>
+              </a:ext>
+            </a:extLst>
+          </p:cNvPr>
+          <p:cNvSpPr>
+            <a:spLocks noGrp="1"/>
+          </p:cNvSpPr>
+          <p:nvPr>
+            <p:ph type="sldNum" sz="quarter" idx="12"/>
+          </p:nvPr>
+        </p:nvSpPr>
+        <p:spPr/>
+        <p:txBody>
+          <a:bodyPr/>
+          <a:lstStyle/>
+          <a:p>
+            <a:fld id="{A98D3561-85BC-42C3-81F4-46ADCBF379BC}" type="slidenum">
+              <a:rPr lang="en-GB" smtClean="0"/>
+              <a:t>8</a:t>
+            </a:fld>
+            <a:endParaRPr lang="en-GB"/>
+          </a:p>
+        </p:txBody>
+      </p:sp>
     </p:spTree>
     <p:extLst>
       <p:ext uri="{BB962C8B-B14F-4D97-AF65-F5344CB8AC3E}">
-        <p14:creationId xmlns:p14="http://schemas.microsoft.com/office/powerpoint/2010/main" val="2239887870"/>
+        <p14:creationId xmlns:p14="http://schemas.microsoft.com/office/powerpoint/2010/main" val="4142475399"/>
       </p:ext>
     </p:extLst>
   </p:cSld>
@@ -8087,7 +8959,7 @@
           <p:cNvPr id="2" name="Title 1">
             <a:extLst>
               <a:ext uri="{FF2B5EF4-FFF2-40B4-BE49-F238E27FC236}">
-                <a16:creationId xmlns:a16="http://schemas.microsoft.com/office/drawing/2014/main" id="{95F45D87-74E6-4970-9F59-08A97ABA67AB}"/>
+                <a16:creationId xmlns:a16="http://schemas.microsoft.com/office/drawing/2014/main" id="{59CC4EA0-CE24-47F3-A70A-CCC953BAF386}"/>
               </a:ext>
             </a:extLst>
           </p:cNvPr>
@@ -8105,7 +8977,7 @@
           <a:p>
             <a:r>
               <a:rPr lang="pt-PT" dirty="0"/>
-              <a:t>Estrutura de ficheiro</a:t>
+              <a:t>Tratamento de exceções</a:t>
             </a:r>
             <a:endParaRPr lang="en-GB" dirty="0"/>
           </a:p>
@@ -8113,10 +8985,10 @@
       </p:sp>
       <p:sp>
         <p:nvSpPr>
-          <p:cNvPr id="6" name="Content Placeholder 2">
+          <p:cNvPr id="4" name="Content Placeholder 2">
             <a:extLst>
               <a:ext uri="{FF2B5EF4-FFF2-40B4-BE49-F238E27FC236}">
-                <a16:creationId xmlns:a16="http://schemas.microsoft.com/office/drawing/2014/main" id="{D68586CD-498E-445E-963F-77DCE121AEE2}"/>
+                <a16:creationId xmlns:a16="http://schemas.microsoft.com/office/drawing/2014/main" id="{ADFE7FBC-2D60-4553-A624-AD448635C52E}"/>
               </a:ext>
             </a:extLst>
           </p:cNvPr>
@@ -8127,15 +8999,15 @@
         </p:nvSpPr>
         <p:spPr>
           <a:xfrm>
-            <a:off x="1066800" y="1927112"/>
-            <a:ext cx="10058400" cy="4023360"/>
+            <a:off x="1066800" y="1927113"/>
+            <a:ext cx="10058400" cy="1450756"/>
           </a:xfrm>
           <a:prstGeom prst="rect">
             <a:avLst/>
           </a:prstGeom>
         </p:spPr>
         <p:txBody>
-          <a:bodyPr vert="horz" lIns="0" tIns="45720" rIns="0" bIns="45720" rtlCol="0">
+          <a:bodyPr vert="horz" lIns="0" tIns="45720" rIns="0" bIns="45720" numCol="2" rtlCol="0">
             <a:normAutofit/>
           </a:bodyPr>
           <a:lstStyle>
@@ -8385,70 +9257,131 @@
             </a:lvl9pPr>
           </a:lstStyle>
           <a:p>
-            <a:pPr lvl="1" algn="just"/>
-            <a:r>
-              <a:rPr lang="pt-PT" dirty="0"/>
-              <a:t>A informação é guardada e lida em cada ficheiro com o auxilia de funções, que, para guardar, utilizam o operador output e, para ler, utilizam o operador input.</a:t>
-            </a:r>
-          </a:p>
-          <a:p>
-            <a:pPr lvl="1" algn="just"/>
-            <a:r>
-              <a:rPr lang="pt-PT" dirty="0"/>
-              <a:t>Em cada ficheiro, os elementos diferentes estão separados ou por um espaço ou por um </a:t>
-            </a:r>
+            <a:pPr marL="201168" lvl="1" indent="0">
+              <a:buNone/>
+            </a:pPr>
+            <a:r>
+              <a:rPr lang="pt-PT" sz="2000" dirty="0"/>
+              <a:t>Exceções:</a:t>
+            </a:r>
+          </a:p>
+          <a:p>
+            <a:pPr lvl="1"/>
             <a:r>
               <a:rPr lang="pt-PT" dirty="0" err="1"/>
-              <a:t>tab</a:t>
-            </a:r>
-            <a:r>
-              <a:rPr lang="pt-PT" dirty="0"/>
-              <a:t>, de forma a facilitar a leitura no use de </a:t>
-            </a:r>
+              <a:t>InvalidDate</a:t>
+            </a:r>
+            <a:endParaRPr lang="pt-PT" dirty="0"/>
+          </a:p>
+          <a:p>
+            <a:pPr lvl="1"/>
             <a:r>
               <a:rPr lang="pt-PT" dirty="0" err="1"/>
-              <a:t>cin</a:t>
-            </a:r>
-            <a:r>
-              <a:rPr lang="pt-PT" dirty="0"/>
-              <a:t> e de </a:t>
-            </a:r>
+              <a:t>EventFull</a:t>
+            </a:r>
+            <a:endParaRPr lang="pt-PT" dirty="0"/>
+          </a:p>
+          <a:p>
+            <a:pPr lvl="1"/>
             <a:r>
               <a:rPr lang="pt-PT" dirty="0" err="1"/>
-              <a:t>getline</a:t>
-            </a:r>
-            <a:r>
-              <a:rPr lang="pt-PT" dirty="0"/>
-              <a:t>.</a:t>
-            </a:r>
-          </a:p>
-          <a:p>
-            <a:pPr lvl="1" algn="just"/>
-            <a:r>
-              <a:rPr lang="pt-PT" dirty="0"/>
-              <a:t>Sempre que um ficheiro é lido, preenche-se cada atributo da classe devida e guarda-se o objeto num vetor na classe Cinemateca.</a:t>
-            </a:r>
-          </a:p>
-          <a:p>
-            <a:pPr lvl="1" algn="just"/>
-            <a:r>
-              <a:rPr lang="pt-PT" dirty="0"/>
-              <a:t>Para escrever nos ficheiros, percorre-se o vetor ou vetores que contém os objetos da classe e divide-se em atributos, com as delimitações devidas.</a:t>
-            </a:r>
-          </a:p>
-          <a:p>
-            <a:pPr lvl="1" algn="just"/>
-            <a:r>
-              <a:rPr lang="pt-PT" dirty="0"/>
-              <a:t>Aqui, sempre que se escreve num ficheiro, substitui-se a informação existente lá, sendo que sempre que se guarda, guardam-se todos os valores.</a:t>
-            </a:r>
+              <a:t>InvalidTime</a:t>
+            </a:r>
+            <a:endParaRPr lang="pt-PT" dirty="0"/>
+          </a:p>
+          <a:p>
+            <a:pPr lvl="1"/>
+            <a:endParaRPr lang="pt-PT" dirty="0"/>
+          </a:p>
+          <a:p>
+            <a:pPr lvl="1"/>
+            <a:r>
+              <a:rPr lang="pt-PT" dirty="0" err="1"/>
+              <a:t>InvalidTimeInterval</a:t>
+            </a:r>
+            <a:endParaRPr lang="pt-PT" dirty="0"/>
+          </a:p>
+          <a:p>
+            <a:pPr lvl="1"/>
+            <a:r>
+              <a:rPr lang="pt-PT" dirty="0" err="1"/>
+              <a:t>AlreadyScheduled</a:t>
+            </a:r>
+            <a:endParaRPr lang="pt-PT" dirty="0"/>
+          </a:p>
+          <a:p>
+            <a:pPr lvl="1"/>
+            <a:r>
+              <a:rPr lang="pt-PT" dirty="0" err="1"/>
+              <a:t>NoEventScheduled</a:t>
+            </a:r>
+            <a:endParaRPr lang="pt-PT" dirty="0"/>
+          </a:p>
+        </p:txBody>
+      </p:sp>
+      <p:pic>
+        <p:nvPicPr>
+          <p:cNvPr id="5" name="Picture 4">
+            <a:extLst>
+              <a:ext uri="{FF2B5EF4-FFF2-40B4-BE49-F238E27FC236}">
+                <a16:creationId xmlns:a16="http://schemas.microsoft.com/office/drawing/2014/main" id="{6711CE59-85B7-4284-B225-807423ACB130}"/>
+              </a:ext>
+            </a:extLst>
+          </p:cNvPr>
+          <p:cNvPicPr>
+            <a:picLocks noChangeAspect="1"/>
+          </p:cNvPicPr>
+          <p:nvPr/>
+        </p:nvPicPr>
+        <p:blipFill>
+          <a:blip r:embed="rId2"/>
+          <a:stretch>
+            <a:fillRect/>
+          </a:stretch>
+        </p:blipFill>
+        <p:spPr>
+          <a:xfrm>
+            <a:off x="1647455" y="3607170"/>
+            <a:ext cx="8897090" cy="1987557"/>
+          </a:xfrm>
+          <a:prstGeom prst="rect">
+            <a:avLst/>
+          </a:prstGeom>
+        </p:spPr>
+      </p:pic>
+      <p:sp>
+        <p:nvSpPr>
+          <p:cNvPr id="6" name="Slide Number Placeholder 5">
+            <a:extLst>
+              <a:ext uri="{FF2B5EF4-FFF2-40B4-BE49-F238E27FC236}">
+                <a16:creationId xmlns:a16="http://schemas.microsoft.com/office/drawing/2014/main" id="{B59A9870-C792-46FF-AE73-9C51ACAD2AFF}"/>
+              </a:ext>
+            </a:extLst>
+          </p:cNvPr>
+          <p:cNvSpPr>
+            <a:spLocks noGrp="1"/>
+          </p:cNvSpPr>
+          <p:nvPr>
+            <p:ph type="sldNum" sz="quarter" idx="12"/>
+          </p:nvPr>
+        </p:nvSpPr>
+        <p:spPr/>
+        <p:txBody>
+          <a:bodyPr/>
+          <a:lstStyle/>
+          <a:p>
+            <a:fld id="{A98D3561-85BC-42C3-81F4-46ADCBF379BC}" type="slidenum">
+              <a:rPr lang="en-GB" smtClean="0"/>
+              <a:t>9</a:t>
+            </a:fld>
+            <a:endParaRPr lang="en-GB"/>
           </a:p>
         </p:txBody>
       </p:sp>
     </p:spTree>
     <p:extLst>
       <p:ext uri="{BB962C8B-B14F-4D97-AF65-F5344CB8AC3E}">
-        <p14:creationId xmlns:p14="http://schemas.microsoft.com/office/powerpoint/2010/main" val="4142475399"/>
+        <p14:creationId xmlns:p14="http://schemas.microsoft.com/office/powerpoint/2010/main" val="3662633784"/>
       </p:ext>
     </p:extLst>
   </p:cSld>
@@ -8739,4 +9672,299 @@
     </a:ext>
   </a:extLst>
 </a:theme>
+</file>
+
+<file path=ppt/theme/theme2.xml><?xml version="1.0" encoding="utf-8"?>
+<a:theme xmlns:a="http://schemas.openxmlformats.org/drawingml/2006/main" name="Office Theme">
+  <a:themeElements>
+    <a:clrScheme name="Office">
+      <a:dk1>
+        <a:sysClr val="windowText" lastClr="000000"/>
+      </a:dk1>
+      <a:lt1>
+        <a:sysClr val="window" lastClr="FFFFFF"/>
+      </a:lt1>
+      <a:dk2>
+        <a:srgbClr val="44546A"/>
+      </a:dk2>
+      <a:lt2>
+        <a:srgbClr val="E7E6E6"/>
+      </a:lt2>
+      <a:accent1>
+        <a:srgbClr val="4472C4"/>
+      </a:accent1>
+      <a:accent2>
+        <a:srgbClr val="ED7D31"/>
+      </a:accent2>
+      <a:accent3>
+        <a:srgbClr val="A5A5A5"/>
+      </a:accent3>
+      <a:accent4>
+        <a:srgbClr val="FFC000"/>
+      </a:accent4>
+      <a:accent5>
+        <a:srgbClr val="5B9BD5"/>
+      </a:accent5>
+      <a:accent6>
+        <a:srgbClr val="70AD47"/>
+      </a:accent6>
+      <a:hlink>
+        <a:srgbClr val="0563C1"/>
+      </a:hlink>
+      <a:folHlink>
+        <a:srgbClr val="954F72"/>
+      </a:folHlink>
+    </a:clrScheme>
+    <a:fontScheme name="Office">
+      <a:majorFont>
+        <a:latin typeface="Calibri Light" panose="020F0302020204030204"/>
+        <a:ea typeface=""/>
+        <a:cs typeface=""/>
+        <a:font script="Jpan" typeface="游ゴシック Light"/>
+        <a:font script="Hang" typeface="맑은 고딕"/>
+        <a:font script="Hans" typeface="等线 Light"/>
+        <a:font script="Hant" typeface="新細明體"/>
+        <a:font script="Arab" typeface="Times New Roman"/>
+        <a:font script="Hebr" typeface="Times New Roman"/>
+        <a:font script="Thai" typeface="Angsana New"/>
+        <a:font script="Ethi" typeface="Nyala"/>
+        <a:font script="Beng" typeface="Vrinda"/>
+        <a:font script="Gujr" typeface="Shruti"/>
+        <a:font script="Khmr" typeface="MoolBoran"/>
+        <a:font script="Knda" typeface="Tunga"/>
+        <a:font script="Guru" typeface="Raavi"/>
+        <a:font script="Cans" typeface="Euphemia"/>
+        <a:font script="Cher" typeface="Plantagenet Cherokee"/>
+        <a:font script="Yiii" typeface="Microsoft Yi Baiti"/>
+        <a:font script="Tibt" typeface="Microsoft Himalaya"/>
+        <a:font script="Thaa" typeface="MV Boli"/>
+        <a:font script="Deva" typeface="Mangal"/>
+        <a:font script="Telu" typeface="Gautami"/>
+        <a:font script="Taml" typeface="Latha"/>
+        <a:font script="Syrc" typeface="Estrangelo Edessa"/>
+        <a:font script="Orya" typeface="Kalinga"/>
+        <a:font script="Mlym" typeface="Kartika"/>
+        <a:font script="Laoo" typeface="DokChampa"/>
+        <a:font script="Sinh" typeface="Iskoola Pota"/>
+        <a:font script="Mong" typeface="Mongolian Baiti"/>
+        <a:font script="Viet" typeface="Times New Roman"/>
+        <a:font script="Uigh" typeface="Microsoft Uighur"/>
+        <a:font script="Geor" typeface="Sylfaen"/>
+        <a:font script="Armn" typeface="Arial"/>
+        <a:font script="Bugi" typeface="Leelawadee UI"/>
+        <a:font script="Bopo" typeface="Microsoft JhengHei"/>
+        <a:font script="Java" typeface="Javanese Text"/>
+        <a:font script="Lisu" typeface="Segoe UI"/>
+        <a:font script="Mymr" typeface="Myanmar Text"/>
+        <a:font script="Nkoo" typeface="Ebrima"/>
+        <a:font script="Olck" typeface="Nirmala UI"/>
+        <a:font script="Osma" typeface="Ebrima"/>
+        <a:font script="Phag" typeface="Phagspa"/>
+        <a:font script="Syrn" typeface="Estrangelo Edessa"/>
+        <a:font script="Syrj" typeface="Estrangelo Edessa"/>
+        <a:font script="Syre" typeface="Estrangelo Edessa"/>
+        <a:font script="Sora" typeface="Nirmala UI"/>
+        <a:font script="Tale" typeface="Microsoft Tai Le"/>
+        <a:font script="Talu" typeface="Microsoft New Tai Lue"/>
+        <a:font script="Tfng" typeface="Ebrima"/>
+      </a:majorFont>
+      <a:minorFont>
+        <a:latin typeface="Calibri" panose="020F0502020204030204"/>
+        <a:ea typeface=""/>
+        <a:cs typeface=""/>
+        <a:font script="Jpan" typeface="游ゴシック"/>
+        <a:font script="Hang" typeface="맑은 고딕"/>
+        <a:font script="Hans" typeface="等线"/>
+        <a:font script="Hant" typeface="新細明體"/>
+        <a:font script="Arab" typeface="Arial"/>
+        <a:font script="Hebr" typeface="Arial"/>
+        <a:font script="Thai" typeface="Cordia New"/>
+        <a:font script="Ethi" typeface="Nyala"/>
+        <a:font script="Beng" typeface="Vrinda"/>
+        <a:font script="Gujr" typeface="Shruti"/>
+        <a:font script="Khmr" typeface="DaunPenh"/>
+        <a:font script="Knda" typeface="Tunga"/>
+        <a:font script="Guru" typeface="Raavi"/>
+        <a:font script="Cans" typeface="Euphemia"/>
+        <a:font script="Cher" typeface="Plantagenet Cherokee"/>
+        <a:font script="Yiii" typeface="Microsoft Yi Baiti"/>
+        <a:font script="Tibt" typeface="Microsoft Himalaya"/>
+        <a:font script="Thaa" typeface="MV Boli"/>
+        <a:font script="Deva" typeface="Mangal"/>
+        <a:font script="Telu" typeface="Gautami"/>
+        <a:font script="Taml" typeface="Latha"/>
+        <a:font script="Syrc" typeface="Estrangelo Edessa"/>
+        <a:font script="Orya" typeface="Kalinga"/>
+        <a:font script="Mlym" typeface="Kartika"/>
+        <a:font script="Laoo" typeface="DokChampa"/>
+        <a:font script="Sinh" typeface="Iskoola Pota"/>
+        <a:font script="Mong" typeface="Mongolian Baiti"/>
+        <a:font script="Viet" typeface="Arial"/>
+        <a:font script="Uigh" typeface="Microsoft Uighur"/>
+        <a:font script="Geor" typeface="Sylfaen"/>
+        <a:font script="Armn" typeface="Arial"/>
+        <a:font script="Bugi" typeface="Leelawadee UI"/>
+        <a:font script="Bopo" typeface="Microsoft JhengHei"/>
+        <a:font script="Java" typeface="Javanese Text"/>
+        <a:font script="Lisu" typeface="Segoe UI"/>
+        <a:font script="Mymr" typeface="Myanmar Text"/>
+        <a:font script="Nkoo" typeface="Ebrima"/>
+        <a:font script="Olck" typeface="Nirmala UI"/>
+        <a:font script="Osma" typeface="Ebrima"/>
+        <a:font script="Phag" typeface="Phagspa"/>
+        <a:font script="Syrn" typeface="Estrangelo Edessa"/>
+        <a:font script="Syrj" typeface="Estrangelo Edessa"/>
+        <a:font script="Syre" typeface="Estrangelo Edessa"/>
+        <a:font script="Sora" typeface="Nirmala UI"/>
+        <a:font script="Tale" typeface="Microsoft Tai Le"/>
+        <a:font script="Talu" typeface="Microsoft New Tai Lue"/>
+        <a:font script="Tfng" typeface="Ebrima"/>
+      </a:minorFont>
+    </a:fontScheme>
+    <a:fmtScheme name="Office">
+      <a:fillStyleLst>
+        <a:solidFill>
+          <a:schemeClr val="phClr"/>
+        </a:solidFill>
+        <a:gradFill rotWithShape="1">
+          <a:gsLst>
+            <a:gs pos="0">
+              <a:schemeClr val="phClr">
+                <a:lumMod val="110000"/>
+                <a:satMod val="105000"/>
+                <a:tint val="67000"/>
+              </a:schemeClr>
+            </a:gs>
+            <a:gs pos="50000">
+              <a:schemeClr val="phClr">
+                <a:lumMod val="105000"/>
+                <a:satMod val="103000"/>
+                <a:tint val="73000"/>
+              </a:schemeClr>
+            </a:gs>
+            <a:gs pos="100000">
+              <a:schemeClr val="phClr">
+                <a:lumMod val="105000"/>
+                <a:satMod val="109000"/>
+                <a:tint val="81000"/>
+              </a:schemeClr>
+            </a:gs>
+          </a:gsLst>
+          <a:lin ang="5400000" scaled="0"/>
+        </a:gradFill>
+        <a:gradFill rotWithShape="1">
+          <a:gsLst>
+            <a:gs pos="0">
+              <a:schemeClr val="phClr">
+                <a:satMod val="103000"/>
+                <a:lumMod val="102000"/>
+                <a:tint val="94000"/>
+              </a:schemeClr>
+            </a:gs>
+            <a:gs pos="50000">
+              <a:schemeClr val="phClr">
+                <a:satMod val="110000"/>
+                <a:lumMod val="100000"/>
+                <a:shade val="100000"/>
+              </a:schemeClr>
+            </a:gs>
+            <a:gs pos="100000">
+              <a:schemeClr val="phClr">
+                <a:lumMod val="99000"/>
+                <a:satMod val="120000"/>
+                <a:shade val="78000"/>
+              </a:schemeClr>
+            </a:gs>
+          </a:gsLst>
+          <a:lin ang="5400000" scaled="0"/>
+        </a:gradFill>
+      </a:fillStyleLst>
+      <a:lnStyleLst>
+        <a:ln w="6350" cap="flat" cmpd="sng" algn="ctr">
+          <a:solidFill>
+            <a:schemeClr val="phClr"/>
+          </a:solidFill>
+          <a:prstDash val="solid"/>
+          <a:miter lim="800000"/>
+        </a:ln>
+        <a:ln w="12700" cap="flat" cmpd="sng" algn="ctr">
+          <a:solidFill>
+            <a:schemeClr val="phClr"/>
+          </a:solidFill>
+          <a:prstDash val="solid"/>
+          <a:miter lim="800000"/>
+        </a:ln>
+        <a:ln w="19050" cap="flat" cmpd="sng" algn="ctr">
+          <a:solidFill>
+            <a:schemeClr val="phClr"/>
+          </a:solidFill>
+          <a:prstDash val="solid"/>
+          <a:miter lim="800000"/>
+        </a:ln>
+      </a:lnStyleLst>
+      <a:effectStyleLst>
+        <a:effectStyle>
+          <a:effectLst/>
+        </a:effectStyle>
+        <a:effectStyle>
+          <a:effectLst/>
+        </a:effectStyle>
+        <a:effectStyle>
+          <a:effectLst>
+            <a:outerShdw blurRad="57150" dist="19050" dir="5400000" algn="ctr" rotWithShape="0">
+              <a:srgbClr val="000000">
+                <a:alpha val="63000"/>
+              </a:srgbClr>
+            </a:outerShdw>
+          </a:effectLst>
+        </a:effectStyle>
+      </a:effectStyleLst>
+      <a:bgFillStyleLst>
+        <a:solidFill>
+          <a:schemeClr val="phClr"/>
+        </a:solidFill>
+        <a:solidFill>
+          <a:schemeClr val="phClr">
+            <a:tint val="95000"/>
+            <a:satMod val="170000"/>
+          </a:schemeClr>
+        </a:solidFill>
+        <a:gradFill rotWithShape="1">
+          <a:gsLst>
+            <a:gs pos="0">
+              <a:schemeClr val="phClr">
+                <a:tint val="93000"/>
+                <a:satMod val="150000"/>
+                <a:shade val="98000"/>
+                <a:lumMod val="102000"/>
+              </a:schemeClr>
+            </a:gs>
+            <a:gs pos="50000">
+              <a:schemeClr val="phClr">
+                <a:tint val="98000"/>
+                <a:satMod val="130000"/>
+                <a:shade val="90000"/>
+                <a:lumMod val="103000"/>
+              </a:schemeClr>
+            </a:gs>
+            <a:gs pos="100000">
+              <a:schemeClr val="phClr">
+                <a:shade val="63000"/>
+                <a:satMod val="120000"/>
+              </a:schemeClr>
+            </a:gs>
+          </a:gsLst>
+          <a:lin ang="5400000" scaled="0"/>
+        </a:gradFill>
+      </a:bgFillStyleLst>
+    </a:fmtScheme>
+  </a:themeElements>
+  <a:objectDefaults/>
+  <a:extraClrSchemeLst/>
+  <a:extLst>
+    <a:ext uri="{05A4C25C-085E-4340-85A3-A5531E510DB2}">
+      <thm15:themeFamily xmlns:thm15="http://schemas.microsoft.com/office/thememl/2012/main" name="Office Theme" id="{62F939B6-93AF-4DB8-9C6B-D6C7DFDC589F}" vid="{4A3C46E8-61CC-4603-A589-7422A47A8E4A}"/>
+    </a:ext>
+  </a:extLst>
+</a:theme>
 </file>